--- a/presentation_GROUP_12.pptx
+++ b/presentation_GROUP_12.pptx
@@ -1,32 +1,32 @@
 
 <file path=ppt/presentation.xml><?xml version="1.0" encoding="utf-8"?>
-<p:presentation xmlns:a="http://schemas.openxmlformats.org/drawingml/2006/main" xmlns:r="http://schemas.openxmlformats.org/officeDocument/2006/relationships" xmlns:p="http://schemas.openxmlformats.org/presentationml/2006/main">
+<p:presentation xmlns:a="http://schemas.openxmlformats.org/drawingml/2006/main" xmlns:r="http://schemas.openxmlformats.org/officeDocument/2006/relationships" xmlns:p="http://schemas.openxmlformats.org/presentationml/2006/main" saveSubsetFonts="1">
   <p:sldMasterIdLst>
-    <p:sldMasterId id="2147483648" r:id="rId5"/>
+    <p:sldMasterId id="2147483648" r:id="rId1"/>
   </p:sldMasterIdLst>
   <p:notesMasterIdLst>
-    <p:notesMasterId r:id="rId7"/>
+    <p:notesMasterId r:id="rId21"/>
   </p:notesMasterIdLst>
   <p:sldIdLst>
-    <p:sldId id="256" r:id="rId8"/>
-    <p:sldId id="257" r:id="rId9"/>
-    <p:sldId id="258" r:id="rId10"/>
-    <p:sldId id="259" r:id="rId11"/>
-    <p:sldId id="260" r:id="rId12"/>
-    <p:sldId id="261" r:id="rId13"/>
-    <p:sldId id="262" r:id="rId14"/>
-    <p:sldId id="263" r:id="rId15"/>
-    <p:sldId id="264" r:id="rId16"/>
-    <p:sldId id="265" r:id="rId17"/>
-    <p:sldId id="266" r:id="rId18"/>
-    <p:sldId id="267" r:id="rId19"/>
-    <p:sldId id="268" r:id="rId20"/>
-    <p:sldId id="269" r:id="rId21"/>
-    <p:sldId id="270" r:id="rId22"/>
-    <p:sldId id="271" r:id="rId23"/>
-    <p:sldId id="272" r:id="rId24"/>
-    <p:sldId id="273" r:id="rId25"/>
-    <p:sldId id="274" r:id="rId26"/>
+    <p:sldId id="256" r:id="rId2"/>
+    <p:sldId id="257" r:id="rId3"/>
+    <p:sldId id="258" r:id="rId4"/>
+    <p:sldId id="259" r:id="rId5"/>
+    <p:sldId id="260" r:id="rId6"/>
+    <p:sldId id="261" r:id="rId7"/>
+    <p:sldId id="262" r:id="rId8"/>
+    <p:sldId id="263" r:id="rId9"/>
+    <p:sldId id="264" r:id="rId10"/>
+    <p:sldId id="265" r:id="rId11"/>
+    <p:sldId id="266" r:id="rId12"/>
+    <p:sldId id="267" r:id="rId13"/>
+    <p:sldId id="268" r:id="rId14"/>
+    <p:sldId id="269" r:id="rId15"/>
+    <p:sldId id="270" r:id="rId16"/>
+    <p:sldId id="271" r:id="rId17"/>
+    <p:sldId id="272" r:id="rId18"/>
+    <p:sldId id="273" r:id="rId19"/>
+    <p:sldId id="274" r:id="rId20"/>
   </p:sldIdLst>
   <p:sldSz cx="13004800" cy="9753600"/>
   <p:notesSz cx="6858000" cy="9144000"/>
@@ -46,7 +46,7 @@
       <a:buFontTx/>
       <a:buNone/>
       <a:tabLst/>
-      <a:defRPr b="0" baseline="0" cap="none" i="0" spc="0" strike="noStrike" sz="1800" u="none" kumimoji="0" normalizeH="0">
+      <a:defRPr kumimoji="0" sz="1800" b="0" i="0" u="none" strike="noStrike" cap="none" spc="0" normalizeH="0" baseline="0">
         <a:ln>
           <a:noFill/>
         </a:ln>
@@ -72,7 +72,7 @@
       <a:buFontTx/>
       <a:buNone/>
       <a:tabLst/>
-      <a:defRPr b="0" baseline="0" cap="none" i="0" spc="0" strike="noStrike" sz="3600" u="none" kumimoji="0" normalizeH="0">
+      <a:defRPr kumimoji="0" sz="3600" b="0" i="0" u="none" strike="noStrike" cap="none" spc="0" normalizeH="0" baseline="0">
         <a:ln>
           <a:noFill/>
         </a:ln>
@@ -102,7 +102,7 @@
       <a:buFontTx/>
       <a:buNone/>
       <a:tabLst/>
-      <a:defRPr b="0" baseline="0" cap="none" i="0" spc="0" strike="noStrike" sz="3600" u="none" kumimoji="0" normalizeH="0">
+      <a:defRPr kumimoji="0" sz="3600" b="0" i="0" u="none" strike="noStrike" cap="none" spc="0" normalizeH="0" baseline="0">
         <a:ln>
           <a:noFill/>
         </a:ln>
@@ -132,7 +132,7 @@
       <a:buFontTx/>
       <a:buNone/>
       <a:tabLst/>
-      <a:defRPr b="0" baseline="0" cap="none" i="0" spc="0" strike="noStrike" sz="3600" u="none" kumimoji="0" normalizeH="0">
+      <a:defRPr kumimoji="0" sz="3600" b="0" i="0" u="none" strike="noStrike" cap="none" spc="0" normalizeH="0" baseline="0">
         <a:ln>
           <a:noFill/>
         </a:ln>
@@ -162,7 +162,7 @@
       <a:buFontTx/>
       <a:buNone/>
       <a:tabLst/>
-      <a:defRPr b="0" baseline="0" cap="none" i="0" spc="0" strike="noStrike" sz="3600" u="none" kumimoji="0" normalizeH="0">
+      <a:defRPr kumimoji="0" sz="3600" b="0" i="0" u="none" strike="noStrike" cap="none" spc="0" normalizeH="0" baseline="0">
         <a:ln>
           <a:noFill/>
         </a:ln>
@@ -192,7 +192,7 @@
       <a:buFontTx/>
       <a:buNone/>
       <a:tabLst/>
-      <a:defRPr b="0" baseline="0" cap="none" i="0" spc="0" strike="noStrike" sz="3600" u="none" kumimoji="0" normalizeH="0">
+      <a:defRPr kumimoji="0" sz="3600" b="0" i="0" u="none" strike="noStrike" cap="none" spc="0" normalizeH="0" baseline="0">
         <a:ln>
           <a:noFill/>
         </a:ln>
@@ -222,7 +222,7 @@
       <a:buFontTx/>
       <a:buNone/>
       <a:tabLst/>
-      <a:defRPr b="0" baseline="0" cap="none" i="0" spc="0" strike="noStrike" sz="3600" u="none" kumimoji="0" normalizeH="0">
+      <a:defRPr kumimoji="0" sz="3600" b="0" i="0" u="none" strike="noStrike" cap="none" spc="0" normalizeH="0" baseline="0">
         <a:ln>
           <a:noFill/>
         </a:ln>
@@ -252,7 +252,7 @@
       <a:buFontTx/>
       <a:buNone/>
       <a:tabLst/>
-      <a:defRPr b="0" baseline="0" cap="none" i="0" spc="0" strike="noStrike" sz="3600" u="none" kumimoji="0" normalizeH="0">
+      <a:defRPr kumimoji="0" sz="3600" b="0" i="0" u="none" strike="noStrike" cap="none" spc="0" normalizeH="0" baseline="0">
         <a:ln>
           <a:noFill/>
         </a:ln>
@@ -282,7 +282,7 @@
       <a:buFontTx/>
       <a:buNone/>
       <a:tabLst/>
-      <a:defRPr b="0" baseline="0" cap="none" i="0" spc="0" strike="noStrike" sz="3600" u="none" kumimoji="0" normalizeH="0">
+      <a:defRPr kumimoji="0" sz="3600" b="0" i="0" u="none" strike="noStrike" cap="none" spc="0" normalizeH="0" baseline="0">
         <a:ln>
           <a:noFill/>
         </a:ln>
@@ -312,7 +312,7 @@
       <a:buFontTx/>
       <a:buNone/>
       <a:tabLst/>
-      <a:defRPr b="0" baseline="0" cap="none" i="0" spc="0" strike="noStrike" sz="3600" u="none" kumimoji="0" normalizeH="0">
+      <a:defRPr kumimoji="0" sz="3600" b="0" i="0" u="none" strike="noStrike" cap="none" spc="0" normalizeH="0" baseline="0">
         <a:ln>
           <a:noFill/>
         </a:ln>
@@ -331,13 +331,14 @@
 </p:presentation>
 </file>
 
-<file path=ppt/commentAuthors.xml><?xml version="1.0" encoding="utf-8"?>
-<p:cmAuthorLst xmlns:a="http://schemas.openxmlformats.org/drawingml/2006/main" xmlns:r="http://schemas.openxmlformats.org/officeDocument/2006/relationships" xmlns:p="http://schemas.openxmlformats.org/presentationml/2006/main"/>
-</file>
-
 <file path=ppt/notesMasters/notesMaster1.xml><?xml version="1.0" encoding="utf-8"?>
 <p:notesMaster xmlns:a="http://schemas.openxmlformats.org/drawingml/2006/main" xmlns:r="http://schemas.openxmlformats.org/officeDocument/2006/relationships" xmlns:p="http://schemas.openxmlformats.org/presentationml/2006/main">
   <p:cSld>
+    <p:bg>
+      <p:bgRef idx="1001">
+        <a:schemeClr val="bg1"/>
+      </p:bgRef>
+    </p:bg>
     <p:spTree>
       <p:nvGrpSpPr>
         <p:cNvPr id="1" name=""/>
@@ -355,7 +356,9 @@
       <p:sp>
         <p:nvSpPr>
           <p:cNvPr id="116" name="Shape 116"/>
-          <p:cNvSpPr/>
+          <p:cNvSpPr>
+            <a:spLocks noGrp="1" noRot="1" noChangeAspect="1"/>
+          </p:cNvSpPr>
           <p:nvPr>
             <p:ph type="sldImg"/>
           </p:nvPr>
@@ -373,14 +376,16 @@
           <a:bodyPr/>
           <a:lstStyle/>
           <a:p>
-            <a:pPr/>
+            <a:endParaRPr/>
           </a:p>
         </p:txBody>
       </p:sp>
       <p:sp>
         <p:nvSpPr>
           <p:cNvPr id="117" name="Shape 117"/>
-          <p:cNvSpPr/>
+          <p:cNvSpPr>
+            <a:spLocks noGrp="1"/>
+          </p:cNvSpPr>
           <p:nvPr>
             <p:ph type="body" sz="quarter" idx="1"/>
           </p:nvPr>
@@ -398,11 +403,16 @@
           <a:bodyPr/>
           <a:lstStyle/>
           <a:p>
-            <a:pPr/>
+            <a:endParaRPr/>
           </a:p>
         </p:txBody>
       </p:sp>
     </p:spTree>
+    <p:extLst>
+      <p:ext uri="{BB962C8B-B14F-4D97-AF65-F5344CB8AC3E}">
+        <p14:creationId xmlns:p14="http://schemas.microsoft.com/office/powerpoint/2010/main" val="552641252"/>
+      </p:ext>
+    </p:extLst>
   </p:cSld>
   <p:clrMap bg1="lt1" tx1="dk1" bg2="lt2" tx2="dk2" accent1="accent1" accent2="accent2" accent3="accent3" accent4="accent4" accent5="accent5" accent6="accent6" hlink="hlink" folHlink="folHlink"/>
   <p:notesStyle>
@@ -510,7 +520,7 @@
 </file>
 
 <file path=ppt/slideLayouts/slideLayout1.xml><?xml version="1.0" encoding="utf-8"?>
-<p:sldLayout xmlns:a="http://schemas.openxmlformats.org/drawingml/2006/main" xmlns:r="http://schemas.openxmlformats.org/officeDocument/2006/relationships" xmlns:p="http://schemas.openxmlformats.org/presentationml/2006/main" type="title" showMasterSp="1" showMasterPhAnim="1">
+<p:sldLayout xmlns:a="http://schemas.openxmlformats.org/drawingml/2006/main" xmlns:r="http://schemas.openxmlformats.org/officeDocument/2006/relationships" xmlns:p="http://schemas.openxmlformats.org/presentationml/2006/main" type="title">
   <p:cSld name="Titolo e sottotitolo">
     <p:spTree>
       <p:nvGrpSpPr>
@@ -529,7 +539,9 @@
       <p:sp>
         <p:nvSpPr>
           <p:cNvPr id="11" name="Shape 11"/>
-          <p:cNvSpPr/>
+          <p:cNvSpPr>
+            <a:spLocks noGrp="1"/>
+          </p:cNvSpPr>
           <p:nvPr>
             <p:ph type="title"/>
           </p:nvPr>
@@ -547,7 +559,6 @@
           <a:bodyPr anchor="b"/>
           <a:lstStyle/>
           <a:p>
-            <a:pPr/>
             <a:r>
               <a:t>Titolo Testo</a:t>
             </a:r>
@@ -557,7 +568,9 @@
       <p:sp>
         <p:nvSpPr>
           <p:cNvPr id="12" name="Shape 12"/>
-          <p:cNvSpPr/>
+          <p:cNvSpPr>
+            <a:spLocks noGrp="1"/>
+          </p:cNvSpPr>
           <p:nvPr>
             <p:ph type="body" sz="quarter" idx="1"/>
           </p:nvPr>
@@ -611,7 +624,6 @@
             </a:lvl5pPr>
           </a:lstStyle>
           <a:p>
-            <a:pPr/>
             <a:r>
               <a:t>Corpo livello uno</a:t>
             </a:r>
@@ -645,7 +657,9 @@
       <p:sp>
         <p:nvSpPr>
           <p:cNvPr id="13" name="Shape 13"/>
-          <p:cNvSpPr/>
+          <p:cNvSpPr>
+            <a:spLocks noGrp="1"/>
+          </p:cNvSpPr>
           <p:nvPr>
             <p:ph type="sldNum" sz="quarter" idx="2"/>
           </p:nvPr>
@@ -659,8 +673,10 @@
           <a:bodyPr/>
           <a:lstStyle/>
           <a:p>
-            <a:pPr/>
-            <a:fld id="{86CB4B4D-7CA3-9044-876B-883B54F8677D}" type="slidenum"/>
+            <a:fld id="{86CB4B4D-7CA3-9044-876B-883B54F8677D}" type="slidenum">
+              <a:t>‹n.›</a:t>
+            </a:fld>
+            <a:endParaRPr/>
           </a:p>
         </p:txBody>
       </p:sp>
@@ -669,12 +685,12 @@
   <p:clrMapOvr>
     <a:masterClrMapping/>
   </p:clrMapOvr>
-  <p:transition xmlns:p14="http://schemas.microsoft.com/office/powerpoint/2010/main" spd="med" advClick="1"/>
+  <p:transition spd="med"/>
 </p:sldLayout>
 </file>
 
 <file path=ppt/slideLayouts/slideLayout10.xml><?xml version="1.0" encoding="utf-8"?>
-<p:sldLayout xmlns:a="http://schemas.openxmlformats.org/drawingml/2006/main" xmlns:r="http://schemas.openxmlformats.org/officeDocument/2006/relationships" xmlns:p="http://schemas.openxmlformats.org/presentationml/2006/main" type="tx" showMasterSp="1" showMasterPhAnim="1">
+<p:sldLayout xmlns:a="http://schemas.openxmlformats.org/drawingml/2006/main" xmlns:r="http://schemas.openxmlformats.org/officeDocument/2006/relationships" xmlns:p="http://schemas.openxmlformats.org/presentationml/2006/main" type="tx">
   <p:cSld name="Citazione">
     <p:spTree>
       <p:nvGrpSpPr>
@@ -693,7 +709,9 @@
       <p:sp>
         <p:nvSpPr>
           <p:cNvPr id="93" name="Shape 93"/>
-          <p:cNvSpPr/>
+          <p:cNvSpPr>
+            <a:spLocks noGrp="1"/>
+          </p:cNvSpPr>
           <p:nvPr>
             <p:ph type="body" sz="quarter" idx="13"/>
           </p:nvPr>
@@ -722,7 +740,6 @@
             </a:lvl1pPr>
           </a:lstStyle>
           <a:p>
-            <a:pPr/>
             <a:r>
               <a:t>–Giovanni Mela</a:t>
             </a:r>
@@ -732,7 +749,9 @@
       <p:sp>
         <p:nvSpPr>
           <p:cNvPr id="94" name="Shape 94"/>
-          <p:cNvSpPr/>
+          <p:cNvSpPr>
+            <a:spLocks noGrp="1"/>
+          </p:cNvSpPr>
           <p:nvPr>
             <p:ph type="body" sz="quarter" idx="14"/>
           </p:nvPr>
@@ -760,7 +779,6 @@
             </a:lvl1pPr>
           </a:lstStyle>
           <a:p>
-            <a:pPr/>
             <a:r>
               <a:t>“Inserisci qui una citazione”.</a:t>
             </a:r>
@@ -770,7 +788,9 @@
       <p:sp>
         <p:nvSpPr>
           <p:cNvPr id="95" name="Shape 95"/>
-          <p:cNvSpPr/>
+          <p:cNvSpPr>
+            <a:spLocks noGrp="1"/>
+          </p:cNvSpPr>
           <p:nvPr>
             <p:ph type="sldNum" sz="quarter" idx="2"/>
           </p:nvPr>
@@ -784,8 +804,10 @@
           <a:bodyPr/>
           <a:lstStyle/>
           <a:p>
-            <a:pPr/>
-            <a:fld id="{86CB4B4D-7CA3-9044-876B-883B54F8677D}" type="slidenum"/>
+            <a:fld id="{86CB4B4D-7CA3-9044-876B-883B54F8677D}" type="slidenum">
+              <a:t>‹n.›</a:t>
+            </a:fld>
+            <a:endParaRPr/>
           </a:p>
         </p:txBody>
       </p:sp>
@@ -794,12 +816,12 @@
   <p:clrMapOvr>
     <a:masterClrMapping/>
   </p:clrMapOvr>
-  <p:transition xmlns:p14="http://schemas.microsoft.com/office/powerpoint/2010/main" spd="med" advClick="1"/>
+  <p:transition spd="med"/>
 </p:sldLayout>
 </file>
 
 <file path=ppt/slideLayouts/slideLayout11.xml><?xml version="1.0" encoding="utf-8"?>
-<p:sldLayout xmlns:a="http://schemas.openxmlformats.org/drawingml/2006/main" xmlns:r="http://schemas.openxmlformats.org/officeDocument/2006/relationships" xmlns:p="http://schemas.openxmlformats.org/presentationml/2006/main" type="tx" showMasterSp="1" showMasterPhAnim="1">
+<p:sldLayout xmlns:a="http://schemas.openxmlformats.org/drawingml/2006/main" xmlns:r="http://schemas.openxmlformats.org/officeDocument/2006/relationships" xmlns:p="http://schemas.openxmlformats.org/presentationml/2006/main" type="tx">
   <p:cSld name="Foto">
     <p:spTree>
       <p:nvGrpSpPr>
@@ -818,7 +840,9 @@
       <p:sp>
         <p:nvSpPr>
           <p:cNvPr id="102" name="Shape 102"/>
-          <p:cNvSpPr/>
+          <p:cNvSpPr>
+            <a:spLocks noGrp="1"/>
+          </p:cNvSpPr>
           <p:nvPr>
             <p:ph type="pic" idx="13"/>
           </p:nvPr>
@@ -838,14 +862,16 @@
           </a:bodyPr>
           <a:lstStyle/>
           <a:p>
-            <a:pPr/>
+            <a:endParaRPr/>
           </a:p>
         </p:txBody>
       </p:sp>
       <p:sp>
         <p:nvSpPr>
           <p:cNvPr id="103" name="Shape 103"/>
-          <p:cNvSpPr/>
+          <p:cNvSpPr>
+            <a:spLocks noGrp="1"/>
+          </p:cNvSpPr>
           <p:nvPr>
             <p:ph type="sldNum" sz="quarter" idx="2"/>
           </p:nvPr>
@@ -859,8 +885,10 @@
           <a:bodyPr/>
           <a:lstStyle/>
           <a:p>
-            <a:pPr/>
-            <a:fld id="{86CB4B4D-7CA3-9044-876B-883B54F8677D}" type="slidenum"/>
+            <a:fld id="{86CB4B4D-7CA3-9044-876B-883B54F8677D}" type="slidenum">
+              <a:t>‹n.›</a:t>
+            </a:fld>
+            <a:endParaRPr/>
           </a:p>
         </p:txBody>
       </p:sp>
@@ -869,12 +897,12 @@
   <p:clrMapOvr>
     <a:masterClrMapping/>
   </p:clrMapOvr>
-  <p:transition xmlns:p14="http://schemas.microsoft.com/office/powerpoint/2010/main" spd="med" advClick="1"/>
+  <p:transition spd="med"/>
 </p:sldLayout>
 </file>
 
 <file path=ppt/slideLayouts/slideLayout12.xml><?xml version="1.0" encoding="utf-8"?>
-<p:sldLayout xmlns:a="http://schemas.openxmlformats.org/drawingml/2006/main" xmlns:r="http://schemas.openxmlformats.org/officeDocument/2006/relationships" xmlns:p="http://schemas.openxmlformats.org/presentationml/2006/main" type="tx" showMasterSp="1" showMasterPhAnim="1">
+<p:sldLayout xmlns:a="http://schemas.openxmlformats.org/drawingml/2006/main" xmlns:r="http://schemas.openxmlformats.org/officeDocument/2006/relationships" xmlns:p="http://schemas.openxmlformats.org/presentationml/2006/main" type="tx">
   <p:cSld name="Vuoto">
     <p:spTree>
       <p:nvGrpSpPr>
@@ -893,7 +921,9 @@
       <p:sp>
         <p:nvSpPr>
           <p:cNvPr id="110" name="Shape 110"/>
-          <p:cNvSpPr/>
+          <p:cNvSpPr>
+            <a:spLocks noGrp="1"/>
+          </p:cNvSpPr>
           <p:nvPr>
             <p:ph type="sldNum" sz="quarter" idx="2"/>
           </p:nvPr>
@@ -907,8 +937,10 @@
           <a:bodyPr/>
           <a:lstStyle/>
           <a:p>
-            <a:pPr/>
-            <a:fld id="{86CB4B4D-7CA3-9044-876B-883B54F8677D}" type="slidenum"/>
+            <a:fld id="{86CB4B4D-7CA3-9044-876B-883B54F8677D}" type="slidenum">
+              <a:t>‹n.›</a:t>
+            </a:fld>
+            <a:endParaRPr/>
           </a:p>
         </p:txBody>
       </p:sp>
@@ -917,12 +949,12 @@
   <p:clrMapOvr>
     <a:masterClrMapping/>
   </p:clrMapOvr>
-  <p:transition xmlns:p14="http://schemas.microsoft.com/office/powerpoint/2010/main" spd="med" advClick="1"/>
+  <p:transition spd="med"/>
 </p:sldLayout>
 </file>
 
 <file path=ppt/slideLayouts/slideLayout2.xml><?xml version="1.0" encoding="utf-8"?>
-<p:sldLayout xmlns:a="http://schemas.openxmlformats.org/drawingml/2006/main" xmlns:r="http://schemas.openxmlformats.org/officeDocument/2006/relationships" xmlns:p="http://schemas.openxmlformats.org/presentationml/2006/main" type="tx" showMasterSp="1" showMasterPhAnim="1">
+<p:sldLayout xmlns:a="http://schemas.openxmlformats.org/drawingml/2006/main" xmlns:r="http://schemas.openxmlformats.org/officeDocument/2006/relationships" xmlns:p="http://schemas.openxmlformats.org/presentationml/2006/main" type="tx">
   <p:cSld name="Foto - Orizzontale">
     <p:spTree>
       <p:nvGrpSpPr>
@@ -941,7 +973,9 @@
       <p:sp>
         <p:nvSpPr>
           <p:cNvPr id="20" name="Shape 20"/>
-          <p:cNvSpPr/>
+          <p:cNvSpPr>
+            <a:spLocks noGrp="1"/>
+          </p:cNvSpPr>
           <p:nvPr>
             <p:ph type="pic" idx="13"/>
           </p:nvPr>
@@ -961,14 +995,16 @@
           </a:bodyPr>
           <a:lstStyle/>
           <a:p>
-            <a:pPr/>
+            <a:endParaRPr/>
           </a:p>
         </p:txBody>
       </p:sp>
       <p:sp>
         <p:nvSpPr>
           <p:cNvPr id="21" name="Shape 21"/>
-          <p:cNvSpPr/>
+          <p:cNvSpPr>
+            <a:spLocks noGrp="1"/>
+          </p:cNvSpPr>
           <p:nvPr>
             <p:ph type="title"/>
           </p:nvPr>
@@ -986,7 +1022,6 @@
           <a:bodyPr/>
           <a:lstStyle/>
           <a:p>
-            <a:pPr/>
             <a:r>
               <a:t>Titolo Testo</a:t>
             </a:r>
@@ -996,7 +1031,9 @@
       <p:sp>
         <p:nvSpPr>
           <p:cNvPr id="22" name="Shape 22"/>
-          <p:cNvSpPr/>
+          <p:cNvSpPr>
+            <a:spLocks noGrp="1"/>
+          </p:cNvSpPr>
           <p:nvPr>
             <p:ph type="body" sz="quarter" idx="1"/>
           </p:nvPr>
@@ -1050,7 +1087,6 @@
             </a:lvl5pPr>
           </a:lstStyle>
           <a:p>
-            <a:pPr/>
             <a:r>
               <a:t>Corpo livello uno</a:t>
             </a:r>
@@ -1084,7 +1120,9 @@
       <p:sp>
         <p:nvSpPr>
           <p:cNvPr id="23" name="Shape 23"/>
-          <p:cNvSpPr/>
+          <p:cNvSpPr>
+            <a:spLocks noGrp="1"/>
+          </p:cNvSpPr>
           <p:nvPr>
             <p:ph type="sldNum" sz="quarter" idx="2"/>
           </p:nvPr>
@@ -1098,8 +1136,10 @@
           <a:bodyPr/>
           <a:lstStyle/>
           <a:p>
-            <a:pPr/>
-            <a:fld id="{86CB4B4D-7CA3-9044-876B-883B54F8677D}" type="slidenum"/>
+            <a:fld id="{86CB4B4D-7CA3-9044-876B-883B54F8677D}" type="slidenum">
+              <a:t>‹n.›</a:t>
+            </a:fld>
+            <a:endParaRPr/>
           </a:p>
         </p:txBody>
       </p:sp>
@@ -1108,12 +1148,12 @@
   <p:clrMapOvr>
     <a:masterClrMapping/>
   </p:clrMapOvr>
-  <p:transition xmlns:p14="http://schemas.microsoft.com/office/powerpoint/2010/main" spd="med" advClick="1"/>
+  <p:transition spd="med"/>
 </p:sldLayout>
 </file>
 
 <file path=ppt/slideLayouts/slideLayout3.xml><?xml version="1.0" encoding="utf-8"?>
-<p:sldLayout xmlns:a="http://schemas.openxmlformats.org/drawingml/2006/main" xmlns:r="http://schemas.openxmlformats.org/officeDocument/2006/relationships" xmlns:p="http://schemas.openxmlformats.org/presentationml/2006/main" type="tx" showMasterSp="1" showMasterPhAnim="1">
+<p:sldLayout xmlns:a="http://schemas.openxmlformats.org/drawingml/2006/main" xmlns:r="http://schemas.openxmlformats.org/officeDocument/2006/relationships" xmlns:p="http://schemas.openxmlformats.org/presentationml/2006/main" type="tx">
   <p:cSld name="Titolo - Centrato">
     <p:spTree>
       <p:nvGrpSpPr>
@@ -1132,7 +1172,9 @@
       <p:sp>
         <p:nvSpPr>
           <p:cNvPr id="30" name="Shape 30"/>
-          <p:cNvSpPr/>
+          <p:cNvSpPr>
+            <a:spLocks noGrp="1"/>
+          </p:cNvSpPr>
           <p:nvPr>
             <p:ph type="title"/>
           </p:nvPr>
@@ -1150,7 +1192,6 @@
           <a:bodyPr/>
           <a:lstStyle/>
           <a:p>
-            <a:pPr/>
             <a:r>
               <a:t>Titolo Testo</a:t>
             </a:r>
@@ -1160,7 +1201,9 @@
       <p:sp>
         <p:nvSpPr>
           <p:cNvPr id="31" name="Shape 31"/>
-          <p:cNvSpPr/>
+          <p:cNvSpPr>
+            <a:spLocks noGrp="1"/>
+          </p:cNvSpPr>
           <p:nvPr>
             <p:ph type="sldNum" sz="quarter" idx="2"/>
           </p:nvPr>
@@ -1174,8 +1217,10 @@
           <a:bodyPr/>
           <a:lstStyle/>
           <a:p>
-            <a:pPr/>
-            <a:fld id="{86CB4B4D-7CA3-9044-876B-883B54F8677D}" type="slidenum"/>
+            <a:fld id="{86CB4B4D-7CA3-9044-876B-883B54F8677D}" type="slidenum">
+              <a:t>‹n.›</a:t>
+            </a:fld>
+            <a:endParaRPr/>
           </a:p>
         </p:txBody>
       </p:sp>
@@ -1184,12 +1229,12 @@
   <p:clrMapOvr>
     <a:masterClrMapping/>
   </p:clrMapOvr>
-  <p:transition xmlns:p14="http://schemas.microsoft.com/office/powerpoint/2010/main" spd="med" advClick="1"/>
+  <p:transition spd="med"/>
 </p:sldLayout>
 </file>
 
 <file path=ppt/slideLayouts/slideLayout4.xml><?xml version="1.0" encoding="utf-8"?>
-<p:sldLayout xmlns:a="http://schemas.openxmlformats.org/drawingml/2006/main" xmlns:r="http://schemas.openxmlformats.org/officeDocument/2006/relationships" xmlns:p="http://schemas.openxmlformats.org/presentationml/2006/main" type="tx" showMasterSp="1" showMasterPhAnim="1">
+<p:sldLayout xmlns:a="http://schemas.openxmlformats.org/drawingml/2006/main" xmlns:r="http://schemas.openxmlformats.org/officeDocument/2006/relationships" xmlns:p="http://schemas.openxmlformats.org/presentationml/2006/main" type="tx">
   <p:cSld name="Foto - Verticale">
     <p:spTree>
       <p:nvGrpSpPr>
@@ -1208,7 +1253,9 @@
       <p:sp>
         <p:nvSpPr>
           <p:cNvPr id="38" name="Shape 38"/>
-          <p:cNvSpPr/>
+          <p:cNvSpPr>
+            <a:spLocks noGrp="1"/>
+          </p:cNvSpPr>
           <p:nvPr>
             <p:ph type="pic" sz="half" idx="13"/>
           </p:nvPr>
@@ -1228,14 +1275,16 @@
           </a:bodyPr>
           <a:lstStyle/>
           <a:p>
-            <a:pPr/>
+            <a:endParaRPr/>
           </a:p>
         </p:txBody>
       </p:sp>
       <p:sp>
         <p:nvSpPr>
           <p:cNvPr id="39" name="Shape 39"/>
-          <p:cNvSpPr/>
+          <p:cNvSpPr>
+            <a:spLocks noGrp="1"/>
+          </p:cNvSpPr>
           <p:nvPr>
             <p:ph type="title"/>
           </p:nvPr>
@@ -1253,7 +1302,6 @@
           <a:bodyPr anchor="b"/>
           <a:lstStyle/>
           <a:p>
-            <a:pPr/>
             <a:r>
               <a:t>Titolo Testo</a:t>
             </a:r>
@@ -1263,7 +1311,9 @@
       <p:sp>
         <p:nvSpPr>
           <p:cNvPr id="40" name="Shape 40"/>
-          <p:cNvSpPr/>
+          <p:cNvSpPr>
+            <a:spLocks noGrp="1"/>
+          </p:cNvSpPr>
           <p:nvPr>
             <p:ph type="body" sz="quarter" idx="1"/>
           </p:nvPr>
@@ -1317,7 +1367,6 @@
             </a:lvl5pPr>
           </a:lstStyle>
           <a:p>
-            <a:pPr/>
             <a:r>
               <a:t>Corpo livello uno</a:t>
             </a:r>
@@ -1351,7 +1400,9 @@
       <p:sp>
         <p:nvSpPr>
           <p:cNvPr id="41" name="Shape 41"/>
-          <p:cNvSpPr/>
+          <p:cNvSpPr>
+            <a:spLocks noGrp="1"/>
+          </p:cNvSpPr>
           <p:nvPr>
             <p:ph type="sldNum" sz="quarter" idx="2"/>
           </p:nvPr>
@@ -1365,8 +1416,10 @@
           <a:bodyPr/>
           <a:lstStyle/>
           <a:p>
-            <a:pPr/>
-            <a:fld id="{86CB4B4D-7CA3-9044-876B-883B54F8677D}" type="slidenum"/>
+            <a:fld id="{86CB4B4D-7CA3-9044-876B-883B54F8677D}" type="slidenum">
+              <a:t>‹n.›</a:t>
+            </a:fld>
+            <a:endParaRPr/>
           </a:p>
         </p:txBody>
       </p:sp>
@@ -1375,12 +1428,12 @@
   <p:clrMapOvr>
     <a:masterClrMapping/>
   </p:clrMapOvr>
-  <p:transition xmlns:p14="http://schemas.microsoft.com/office/powerpoint/2010/main" spd="med" advClick="1"/>
+  <p:transition spd="med"/>
 </p:sldLayout>
 </file>
 
 <file path=ppt/slideLayouts/slideLayout5.xml><?xml version="1.0" encoding="utf-8"?>
-<p:sldLayout xmlns:a="http://schemas.openxmlformats.org/drawingml/2006/main" xmlns:r="http://schemas.openxmlformats.org/officeDocument/2006/relationships" xmlns:p="http://schemas.openxmlformats.org/presentationml/2006/main" type="tx" showMasterSp="1" showMasterPhAnim="1">
+<p:sldLayout xmlns:a="http://schemas.openxmlformats.org/drawingml/2006/main" xmlns:r="http://schemas.openxmlformats.org/officeDocument/2006/relationships" xmlns:p="http://schemas.openxmlformats.org/presentationml/2006/main" type="tx">
   <p:cSld name="Titolo - In alto">
     <p:spTree>
       <p:nvGrpSpPr>
@@ -1399,7 +1452,9 @@
       <p:sp>
         <p:nvSpPr>
           <p:cNvPr id="48" name="Shape 48"/>
-          <p:cNvSpPr/>
+          <p:cNvSpPr>
+            <a:spLocks noGrp="1"/>
+          </p:cNvSpPr>
           <p:nvPr>
             <p:ph type="title"/>
           </p:nvPr>
@@ -1413,7 +1468,6 @@
           <a:bodyPr/>
           <a:lstStyle/>
           <a:p>
-            <a:pPr/>
             <a:r>
               <a:t>Titolo Testo</a:t>
             </a:r>
@@ -1423,7 +1477,9 @@
       <p:sp>
         <p:nvSpPr>
           <p:cNvPr id="49" name="Shape 49"/>
-          <p:cNvSpPr/>
+          <p:cNvSpPr>
+            <a:spLocks noGrp="1"/>
+          </p:cNvSpPr>
           <p:nvPr>
             <p:ph type="sldNum" sz="quarter" idx="2"/>
           </p:nvPr>
@@ -1437,8 +1493,10 @@
           <a:bodyPr/>
           <a:lstStyle/>
           <a:p>
-            <a:pPr/>
-            <a:fld id="{86CB4B4D-7CA3-9044-876B-883B54F8677D}" type="slidenum"/>
+            <a:fld id="{86CB4B4D-7CA3-9044-876B-883B54F8677D}" type="slidenum">
+              <a:t>‹n.›</a:t>
+            </a:fld>
+            <a:endParaRPr/>
           </a:p>
         </p:txBody>
       </p:sp>
@@ -1447,12 +1505,12 @@
   <p:clrMapOvr>
     <a:masterClrMapping/>
   </p:clrMapOvr>
-  <p:transition xmlns:p14="http://schemas.microsoft.com/office/powerpoint/2010/main" spd="med" advClick="1"/>
+  <p:transition spd="med"/>
 </p:sldLayout>
 </file>
 
 <file path=ppt/slideLayouts/slideLayout6.xml><?xml version="1.0" encoding="utf-8"?>
-<p:sldLayout xmlns:a="http://schemas.openxmlformats.org/drawingml/2006/main" xmlns:r="http://schemas.openxmlformats.org/officeDocument/2006/relationships" xmlns:p="http://schemas.openxmlformats.org/presentationml/2006/main" type="tx" showMasterSp="1" showMasterPhAnim="1">
+<p:sldLayout xmlns:a="http://schemas.openxmlformats.org/drawingml/2006/main" xmlns:r="http://schemas.openxmlformats.org/officeDocument/2006/relationships" xmlns:p="http://schemas.openxmlformats.org/presentationml/2006/main" type="tx">
   <p:cSld name="Titolo e punti elenco">
     <p:spTree>
       <p:nvGrpSpPr>
@@ -1471,7 +1529,9 @@
       <p:sp>
         <p:nvSpPr>
           <p:cNvPr id="56" name="Shape 56"/>
-          <p:cNvSpPr/>
+          <p:cNvSpPr>
+            <a:spLocks noGrp="1"/>
+          </p:cNvSpPr>
           <p:nvPr>
             <p:ph type="title"/>
           </p:nvPr>
@@ -1485,7 +1545,6 @@
           <a:bodyPr/>
           <a:lstStyle/>
           <a:p>
-            <a:pPr/>
             <a:r>
               <a:t>Titolo Testo</a:t>
             </a:r>
@@ -1495,7 +1554,9 @@
       <p:sp>
         <p:nvSpPr>
           <p:cNvPr id="57" name="Shape 57"/>
-          <p:cNvSpPr/>
+          <p:cNvSpPr>
+            <a:spLocks noGrp="1"/>
+          </p:cNvSpPr>
           <p:nvPr>
             <p:ph type="body" idx="1"/>
           </p:nvPr>
@@ -1555,7 +1616,6 @@
             </a:lvl5pPr>
           </a:lstStyle>
           <a:p>
-            <a:pPr/>
             <a:r>
               <a:t>Corpo livello uno</a:t>
             </a:r>
@@ -1589,7 +1649,9 @@
       <p:sp>
         <p:nvSpPr>
           <p:cNvPr id="58" name="Shape 58"/>
-          <p:cNvSpPr/>
+          <p:cNvSpPr>
+            <a:spLocks noGrp="1"/>
+          </p:cNvSpPr>
           <p:nvPr>
             <p:ph type="sldNum" sz="quarter" idx="2"/>
           </p:nvPr>
@@ -1603,8 +1665,10 @@
           <a:bodyPr/>
           <a:lstStyle/>
           <a:p>
-            <a:pPr/>
-            <a:fld id="{86CB4B4D-7CA3-9044-876B-883B54F8677D}" type="slidenum"/>
+            <a:fld id="{86CB4B4D-7CA3-9044-876B-883B54F8677D}" type="slidenum">
+              <a:t>‹n.›</a:t>
+            </a:fld>
+            <a:endParaRPr/>
           </a:p>
         </p:txBody>
       </p:sp>
@@ -1613,12 +1677,12 @@
   <p:clrMapOvr>
     <a:masterClrMapping/>
   </p:clrMapOvr>
-  <p:transition xmlns:p14="http://schemas.microsoft.com/office/powerpoint/2010/main" spd="med" advClick="1"/>
+  <p:transition spd="med"/>
 </p:sldLayout>
 </file>
 
 <file path=ppt/slideLayouts/slideLayout7.xml><?xml version="1.0" encoding="utf-8"?>
-<p:sldLayout xmlns:a="http://schemas.openxmlformats.org/drawingml/2006/main" xmlns:r="http://schemas.openxmlformats.org/officeDocument/2006/relationships" xmlns:p="http://schemas.openxmlformats.org/presentationml/2006/main" type="tx" showMasterSp="1" showMasterPhAnim="1">
+<p:sldLayout xmlns:a="http://schemas.openxmlformats.org/drawingml/2006/main" xmlns:r="http://schemas.openxmlformats.org/officeDocument/2006/relationships" xmlns:p="http://schemas.openxmlformats.org/presentationml/2006/main" type="tx">
   <p:cSld name="Titolo, punti elenco e foto">
     <p:spTree>
       <p:nvGrpSpPr>
@@ -1637,7 +1701,9 @@
       <p:sp>
         <p:nvSpPr>
           <p:cNvPr id="65" name="Shape 65"/>
-          <p:cNvSpPr/>
+          <p:cNvSpPr>
+            <a:spLocks noGrp="1"/>
+          </p:cNvSpPr>
           <p:nvPr>
             <p:ph type="pic" sz="half" idx="13"/>
           </p:nvPr>
@@ -1657,14 +1723,16 @@
           </a:bodyPr>
           <a:lstStyle/>
           <a:p>
-            <a:pPr/>
+            <a:endParaRPr/>
           </a:p>
         </p:txBody>
       </p:sp>
       <p:sp>
         <p:nvSpPr>
           <p:cNvPr id="66" name="Shape 66"/>
-          <p:cNvSpPr/>
+          <p:cNvSpPr>
+            <a:spLocks noGrp="1"/>
+          </p:cNvSpPr>
           <p:nvPr>
             <p:ph type="title"/>
           </p:nvPr>
@@ -1678,7 +1746,6 @@
           <a:bodyPr/>
           <a:lstStyle/>
           <a:p>
-            <a:pPr/>
             <a:r>
               <a:t>Titolo Testo</a:t>
             </a:r>
@@ -1688,7 +1755,9 @@
       <p:sp>
         <p:nvSpPr>
           <p:cNvPr id="67" name="Shape 67"/>
-          <p:cNvSpPr/>
+          <p:cNvSpPr>
+            <a:spLocks noGrp="1"/>
+          </p:cNvSpPr>
           <p:nvPr>
             <p:ph type="body" sz="half" idx="1"/>
           </p:nvPr>
@@ -1706,7 +1775,6 @@
           <a:bodyPr/>
           <a:lstStyle/>
           <a:p>
-            <a:pPr/>
             <a:r>
               <a:t>Corpo livello uno</a:t>
             </a:r>
@@ -1740,7 +1808,9 @@
       <p:sp>
         <p:nvSpPr>
           <p:cNvPr id="68" name="Shape 68"/>
-          <p:cNvSpPr/>
+          <p:cNvSpPr>
+            <a:spLocks noGrp="1"/>
+          </p:cNvSpPr>
           <p:nvPr>
             <p:ph type="sldNum" sz="quarter" idx="2"/>
           </p:nvPr>
@@ -1754,8 +1824,10 @@
           <a:bodyPr/>
           <a:lstStyle/>
           <a:p>
-            <a:pPr/>
-            <a:fld id="{86CB4B4D-7CA3-9044-876B-883B54F8677D}" type="slidenum"/>
+            <a:fld id="{86CB4B4D-7CA3-9044-876B-883B54F8677D}" type="slidenum">
+              <a:t>‹n.›</a:t>
+            </a:fld>
+            <a:endParaRPr/>
           </a:p>
         </p:txBody>
       </p:sp>
@@ -1764,12 +1836,12 @@
   <p:clrMapOvr>
     <a:masterClrMapping/>
   </p:clrMapOvr>
-  <p:transition xmlns:p14="http://schemas.microsoft.com/office/powerpoint/2010/main" spd="med" advClick="1"/>
+  <p:transition spd="med"/>
 </p:sldLayout>
 </file>
 
 <file path=ppt/slideLayouts/slideLayout8.xml><?xml version="1.0" encoding="utf-8"?>
-<p:sldLayout xmlns:a="http://schemas.openxmlformats.org/drawingml/2006/main" xmlns:r="http://schemas.openxmlformats.org/officeDocument/2006/relationships" xmlns:p="http://schemas.openxmlformats.org/presentationml/2006/main" type="tx" showMasterSp="1" showMasterPhAnim="1">
+<p:sldLayout xmlns:a="http://schemas.openxmlformats.org/drawingml/2006/main" xmlns:r="http://schemas.openxmlformats.org/officeDocument/2006/relationships" xmlns:p="http://schemas.openxmlformats.org/presentationml/2006/main" type="tx">
   <p:cSld name="Punti elenco">
     <p:spTree>
       <p:nvGrpSpPr>
@@ -1788,7 +1860,9 @@
       <p:sp>
         <p:nvSpPr>
           <p:cNvPr id="75" name="Shape 75"/>
-          <p:cNvSpPr/>
+          <p:cNvSpPr>
+            <a:spLocks noGrp="1"/>
+          </p:cNvSpPr>
           <p:nvPr>
             <p:ph type="body" idx="1"/>
           </p:nvPr>
@@ -1852,7 +1926,6 @@
             </a:lvl5pPr>
           </a:lstStyle>
           <a:p>
-            <a:pPr/>
             <a:r>
               <a:t>Corpo livello uno</a:t>
             </a:r>
@@ -1886,7 +1959,9 @@
       <p:sp>
         <p:nvSpPr>
           <p:cNvPr id="76" name="Shape 76"/>
-          <p:cNvSpPr/>
+          <p:cNvSpPr>
+            <a:spLocks noGrp="1"/>
+          </p:cNvSpPr>
           <p:nvPr>
             <p:ph type="sldNum" sz="quarter" idx="2"/>
           </p:nvPr>
@@ -1900,8 +1975,10 @@
           <a:bodyPr/>
           <a:lstStyle/>
           <a:p>
-            <a:pPr/>
-            <a:fld id="{86CB4B4D-7CA3-9044-876B-883B54F8677D}" type="slidenum"/>
+            <a:fld id="{86CB4B4D-7CA3-9044-876B-883B54F8677D}" type="slidenum">
+              <a:t>‹n.›</a:t>
+            </a:fld>
+            <a:endParaRPr/>
           </a:p>
         </p:txBody>
       </p:sp>
@@ -1910,12 +1987,12 @@
   <p:clrMapOvr>
     <a:masterClrMapping/>
   </p:clrMapOvr>
-  <p:transition xmlns:p14="http://schemas.microsoft.com/office/powerpoint/2010/main" spd="med" advClick="1"/>
+  <p:transition spd="med"/>
 </p:sldLayout>
 </file>
 
 <file path=ppt/slideLayouts/slideLayout9.xml><?xml version="1.0" encoding="utf-8"?>
-<p:sldLayout xmlns:a="http://schemas.openxmlformats.org/drawingml/2006/main" xmlns:r="http://schemas.openxmlformats.org/officeDocument/2006/relationships" xmlns:p="http://schemas.openxmlformats.org/presentationml/2006/main" type="tx" showMasterSp="1" showMasterPhAnim="1">
+<p:sldLayout xmlns:a="http://schemas.openxmlformats.org/drawingml/2006/main" xmlns:r="http://schemas.openxmlformats.org/officeDocument/2006/relationships" xmlns:p="http://schemas.openxmlformats.org/presentationml/2006/main" type="tx">
   <p:cSld name="Foto - 3 per pagina">
     <p:spTree>
       <p:nvGrpSpPr>
@@ -1934,7 +2011,9 @@
       <p:sp>
         <p:nvSpPr>
           <p:cNvPr id="83" name="Shape 83"/>
-          <p:cNvSpPr/>
+          <p:cNvSpPr>
+            <a:spLocks noGrp="1"/>
+          </p:cNvSpPr>
           <p:nvPr>
             <p:ph type="pic" sz="quarter" idx="13"/>
           </p:nvPr>
@@ -1954,14 +2033,16 @@
           </a:bodyPr>
           <a:lstStyle/>
           <a:p>
-            <a:pPr/>
+            <a:endParaRPr/>
           </a:p>
         </p:txBody>
       </p:sp>
       <p:sp>
         <p:nvSpPr>
           <p:cNvPr id="84" name="Shape 84"/>
-          <p:cNvSpPr/>
+          <p:cNvSpPr>
+            <a:spLocks noGrp="1"/>
+          </p:cNvSpPr>
           <p:nvPr>
             <p:ph type="pic" sz="quarter" idx="14"/>
           </p:nvPr>
@@ -1981,14 +2062,16 @@
           </a:bodyPr>
           <a:lstStyle/>
           <a:p>
-            <a:pPr/>
+            <a:endParaRPr/>
           </a:p>
         </p:txBody>
       </p:sp>
       <p:sp>
         <p:nvSpPr>
           <p:cNvPr id="85" name="Shape 85"/>
-          <p:cNvSpPr/>
+          <p:cNvSpPr>
+            <a:spLocks noGrp="1"/>
+          </p:cNvSpPr>
           <p:nvPr>
             <p:ph type="pic" idx="15"/>
           </p:nvPr>
@@ -2008,14 +2091,16 @@
           </a:bodyPr>
           <a:lstStyle/>
           <a:p>
-            <a:pPr/>
+            <a:endParaRPr/>
           </a:p>
         </p:txBody>
       </p:sp>
       <p:sp>
         <p:nvSpPr>
           <p:cNvPr id="86" name="Shape 86"/>
-          <p:cNvSpPr/>
+          <p:cNvSpPr>
+            <a:spLocks noGrp="1"/>
+          </p:cNvSpPr>
           <p:nvPr>
             <p:ph type="sldNum" sz="quarter" idx="2"/>
           </p:nvPr>
@@ -2029,8 +2114,10 @@
           <a:bodyPr/>
           <a:lstStyle/>
           <a:p>
-            <a:pPr/>
-            <a:fld id="{86CB4B4D-7CA3-9044-876B-883B54F8677D}" type="slidenum"/>
+            <a:fld id="{86CB4B4D-7CA3-9044-876B-883B54F8677D}" type="slidenum">
+              <a:t>‹n.›</a:t>
+            </a:fld>
+            <a:endParaRPr/>
           </a:p>
         </p:txBody>
       </p:sp>
@@ -2039,7 +2126,7 @@
   <p:clrMapOvr>
     <a:masterClrMapping/>
   </p:clrMapOvr>
-  <p:transition xmlns:p14="http://schemas.microsoft.com/office/powerpoint/2010/main" spd="med" advClick="1"/>
+  <p:transition spd="med"/>
 </p:sldLayout>
 </file>
 
@@ -2049,12 +2136,13 @@
     <p:bg>
       <p:bgPr>
         <a:blipFill rotWithShape="1">
-          <a:blip r:embed="rId2"/>
-          <a:srcRect l="0" t="0" r="0" b="0"/>
+          <a:blip r:embed="rId14"/>
+          <a:srcRect/>
           <a:stretch>
             <a:fillRect/>
           </a:stretch>
         </a:blipFill>
+        <a:effectLst/>
       </p:bgPr>
     </p:bg>
     <p:spTree>
@@ -2074,7 +2162,9 @@
       <p:sp>
         <p:nvSpPr>
           <p:cNvPr id="2" name="Shape 2"/>
-          <p:cNvSpPr/>
+          <p:cNvSpPr>
+            <a:spLocks noGrp="1"/>
+          </p:cNvSpPr>
           <p:nvPr>
             <p:ph type="title"/>
           </p:nvPr>
@@ -2098,11 +2188,10 @@
         </p:spPr>
         <p:txBody>
           <a:bodyPr lIns="50800" tIns="50800" rIns="50800" bIns="50800" anchor="ctr">
-            <a:normAutofit fontScale="100000" lnSpcReduction="0"/>
+            <a:normAutofit/>
           </a:bodyPr>
           <a:lstStyle/>
           <a:p>
-            <a:pPr/>
             <a:r>
               <a:t>Titolo Testo</a:t>
             </a:r>
@@ -2112,7 +2201,9 @@
       <p:sp>
         <p:nvSpPr>
           <p:cNvPr id="3" name="Shape 3"/>
-          <p:cNvSpPr/>
+          <p:cNvSpPr>
+            <a:spLocks noGrp="1"/>
+          </p:cNvSpPr>
           <p:nvPr>
             <p:ph type="body" idx="1"/>
           </p:nvPr>
@@ -2136,11 +2227,10 @@
         </p:spPr>
         <p:txBody>
           <a:bodyPr lIns="50800" tIns="50800" rIns="50800" bIns="50800" anchor="ctr">
-            <a:normAutofit fontScale="100000" lnSpcReduction="0"/>
+            <a:normAutofit/>
           </a:bodyPr>
           <a:lstStyle/>
           <a:p>
-            <a:pPr/>
             <a:r>
               <a:t>Corpo livello uno</a:t>
             </a:r>
@@ -2174,7 +2264,9 @@
       <p:sp>
         <p:nvSpPr>
           <p:cNvPr id="4" name="Shape 4"/>
-          <p:cNvSpPr/>
+          <p:cNvSpPr>
+            <a:spLocks noGrp="1"/>
+          </p:cNvSpPr>
           <p:nvPr>
             <p:ph type="sldNum" sz="quarter" idx="2"/>
           </p:nvPr>
@@ -2201,8 +2293,10 @@
             </a:lvl1pPr>
           </a:lstStyle>
           <a:p>
-            <a:pPr/>
-            <a:fld id="{86CB4B4D-7CA3-9044-876B-883B54F8677D}" type="slidenum"/>
+            <a:fld id="{86CB4B4D-7CA3-9044-876B-883B54F8677D}" type="slidenum">
+              <a:t>‹n.›</a:t>
+            </a:fld>
+            <a:endParaRPr/>
           </a:p>
         </p:txBody>
       </p:sp>
@@ -2210,20 +2304,20 @@
   </p:cSld>
   <p:clrMap bg1="lt1" tx1="dk1" bg2="lt2" tx2="dk2" accent1="accent1" accent2="accent2" accent3="accent3" accent4="accent4" accent5="accent5" accent6="accent6" hlink="hlink" folHlink="folHlink"/>
   <p:sldLayoutIdLst>
-    <p:sldLayoutId id="2147483649" r:id="rId3"/>
-    <p:sldLayoutId id="2147483650" r:id="rId4"/>
-    <p:sldLayoutId id="2147483651" r:id="rId5"/>
-    <p:sldLayoutId id="2147483652" r:id="rId6"/>
-    <p:sldLayoutId id="2147483653" r:id="rId7"/>
-    <p:sldLayoutId id="2147483654" r:id="rId8"/>
-    <p:sldLayoutId id="2147483655" r:id="rId9"/>
-    <p:sldLayoutId id="2147483656" r:id="rId10"/>
-    <p:sldLayoutId id="2147483657" r:id="rId11"/>
-    <p:sldLayoutId id="2147483658" r:id="rId12"/>
-    <p:sldLayoutId id="2147483659" r:id="rId13"/>
-    <p:sldLayoutId id="2147483660" r:id="rId14"/>
+    <p:sldLayoutId id="2147483649" r:id="rId1"/>
+    <p:sldLayoutId id="2147483650" r:id="rId2"/>
+    <p:sldLayoutId id="2147483651" r:id="rId3"/>
+    <p:sldLayoutId id="2147483652" r:id="rId4"/>
+    <p:sldLayoutId id="2147483653" r:id="rId5"/>
+    <p:sldLayoutId id="2147483654" r:id="rId6"/>
+    <p:sldLayoutId id="2147483655" r:id="rId7"/>
+    <p:sldLayoutId id="2147483656" r:id="rId8"/>
+    <p:sldLayoutId id="2147483657" r:id="rId9"/>
+    <p:sldLayoutId id="2147483658" r:id="rId10"/>
+    <p:sldLayoutId id="2147483659" r:id="rId11"/>
+    <p:sldLayoutId id="2147483660" r:id="rId12"/>
   </p:sldLayoutIdLst>
-  <p:transition xmlns:p14="http://schemas.microsoft.com/office/powerpoint/2010/main" spd="med" advClick="1"/>
+  <p:transition spd="med"/>
   <p:txStyles>
     <p:titleStyle>
       <a:lvl1pPr marL="0" marR="0" indent="0" algn="ctr" defTabSz="584200" rtl="0" latinLnBrk="0">
@@ -2241,7 +2335,7 @@
         <a:buFontTx/>
         <a:buNone/>
         <a:tabLst/>
-        <a:defRPr b="0" baseline="0" cap="all" i="0" spc="0" strike="noStrike" sz="6200" u="none">
+        <a:defRPr sz="6200" b="0" i="0" u="none" strike="noStrike" cap="all" spc="0" baseline="0">
           <a:ln>
             <a:noFill/>
           </a:ln>
@@ -2270,7 +2364,7 @@
         <a:buFontTx/>
         <a:buNone/>
         <a:tabLst/>
-        <a:defRPr b="0" baseline="0" cap="all" i="0" spc="0" strike="noStrike" sz="6200" u="none">
+        <a:defRPr sz="6200" b="0" i="0" u="none" strike="noStrike" cap="all" spc="0" baseline="0">
           <a:ln>
             <a:noFill/>
           </a:ln>
@@ -2299,7 +2393,7 @@
         <a:buFontTx/>
         <a:buNone/>
         <a:tabLst/>
-        <a:defRPr b="0" baseline="0" cap="all" i="0" spc="0" strike="noStrike" sz="6200" u="none">
+        <a:defRPr sz="6200" b="0" i="0" u="none" strike="noStrike" cap="all" spc="0" baseline="0">
           <a:ln>
             <a:noFill/>
           </a:ln>
@@ -2328,7 +2422,7 @@
         <a:buFontTx/>
         <a:buNone/>
         <a:tabLst/>
-        <a:defRPr b="0" baseline="0" cap="all" i="0" spc="0" strike="noStrike" sz="6200" u="none">
+        <a:defRPr sz="6200" b="0" i="0" u="none" strike="noStrike" cap="all" spc="0" baseline="0">
           <a:ln>
             <a:noFill/>
           </a:ln>
@@ -2357,7 +2451,7 @@
         <a:buFontTx/>
         <a:buNone/>
         <a:tabLst/>
-        <a:defRPr b="0" baseline="0" cap="all" i="0" spc="0" strike="noStrike" sz="6200" u="none">
+        <a:defRPr sz="6200" b="0" i="0" u="none" strike="noStrike" cap="all" spc="0" baseline="0">
           <a:ln>
             <a:noFill/>
           </a:ln>
@@ -2386,7 +2480,7 @@
         <a:buFontTx/>
         <a:buNone/>
         <a:tabLst/>
-        <a:defRPr b="0" baseline="0" cap="all" i="0" spc="0" strike="noStrike" sz="6200" u="none">
+        <a:defRPr sz="6200" b="0" i="0" u="none" strike="noStrike" cap="all" spc="0" baseline="0">
           <a:ln>
             <a:noFill/>
           </a:ln>
@@ -2415,7 +2509,7 @@
         <a:buFontTx/>
         <a:buNone/>
         <a:tabLst/>
-        <a:defRPr b="0" baseline="0" cap="all" i="0" spc="0" strike="noStrike" sz="6200" u="none">
+        <a:defRPr sz="6200" b="0" i="0" u="none" strike="noStrike" cap="all" spc="0" baseline="0">
           <a:ln>
             <a:noFill/>
           </a:ln>
@@ -2444,7 +2538,7 @@
         <a:buFontTx/>
         <a:buNone/>
         <a:tabLst/>
-        <a:defRPr b="0" baseline="0" cap="all" i="0" spc="0" strike="noStrike" sz="6200" u="none">
+        <a:defRPr sz="6200" b="0" i="0" u="none" strike="noStrike" cap="all" spc="0" baseline="0">
           <a:ln>
             <a:noFill/>
           </a:ln>
@@ -2473,7 +2567,7 @@
         <a:buFontTx/>
         <a:buNone/>
         <a:tabLst/>
-        <a:defRPr b="0" baseline="0" cap="all" i="0" spc="0" strike="noStrike" sz="6200" u="none">
+        <a:defRPr sz="6200" b="0" i="0" u="none" strike="noStrike" cap="all" spc="0" baseline="0">
           <a:ln>
             <a:noFill/>
           </a:ln>
@@ -2504,7 +2598,7 @@
         <a:buFontTx/>
         <a:buChar char="•"/>
         <a:tabLst/>
-        <a:defRPr b="0" baseline="0" cap="none" i="0" spc="0" strike="noStrike" sz="3800" u="none">
+        <a:defRPr sz="3800" b="0" i="0" u="none" strike="noStrike" cap="none" spc="0" baseline="0">
           <a:ln>
             <a:noFill/>
           </a:ln>
@@ -2533,7 +2627,7 @@
         <a:buFontTx/>
         <a:buChar char="•"/>
         <a:tabLst/>
-        <a:defRPr b="0" baseline="0" cap="none" i="0" spc="0" strike="noStrike" sz="3800" u="none">
+        <a:defRPr sz="3800" b="0" i="0" u="none" strike="noStrike" cap="none" spc="0" baseline="0">
           <a:ln>
             <a:noFill/>
           </a:ln>
@@ -2562,7 +2656,7 @@
         <a:buFontTx/>
         <a:buChar char="•"/>
         <a:tabLst/>
-        <a:defRPr b="0" baseline="0" cap="none" i="0" spc="0" strike="noStrike" sz="3800" u="none">
+        <a:defRPr sz="3800" b="0" i="0" u="none" strike="noStrike" cap="none" spc="0" baseline="0">
           <a:ln>
             <a:noFill/>
           </a:ln>
@@ -2591,7 +2685,7 @@
         <a:buFontTx/>
         <a:buChar char="•"/>
         <a:tabLst/>
-        <a:defRPr b="0" baseline="0" cap="none" i="0" spc="0" strike="noStrike" sz="3800" u="none">
+        <a:defRPr sz="3800" b="0" i="0" u="none" strike="noStrike" cap="none" spc="0" baseline="0">
           <a:ln>
             <a:noFill/>
           </a:ln>
@@ -2620,7 +2714,7 @@
         <a:buFontTx/>
         <a:buChar char="•"/>
         <a:tabLst/>
-        <a:defRPr b="0" baseline="0" cap="none" i="0" spc="0" strike="noStrike" sz="3800" u="none">
+        <a:defRPr sz="3800" b="0" i="0" u="none" strike="noStrike" cap="none" spc="0" baseline="0">
           <a:ln>
             <a:noFill/>
           </a:ln>
@@ -2649,7 +2743,7 @@
         <a:buFontTx/>
         <a:buChar char="•"/>
         <a:tabLst/>
-        <a:defRPr b="0" baseline="0" cap="none" i="0" spc="0" strike="noStrike" sz="3800" u="none">
+        <a:defRPr sz="3800" b="0" i="0" u="none" strike="noStrike" cap="none" spc="0" baseline="0">
           <a:ln>
             <a:noFill/>
           </a:ln>
@@ -2678,7 +2772,7 @@
         <a:buFontTx/>
         <a:buChar char="•"/>
         <a:tabLst/>
-        <a:defRPr b="0" baseline="0" cap="none" i="0" spc="0" strike="noStrike" sz="3800" u="none">
+        <a:defRPr sz="3800" b="0" i="0" u="none" strike="noStrike" cap="none" spc="0" baseline="0">
           <a:ln>
             <a:noFill/>
           </a:ln>
@@ -2707,7 +2801,7 @@
         <a:buFontTx/>
         <a:buChar char="•"/>
         <a:tabLst/>
-        <a:defRPr b="0" baseline="0" cap="none" i="0" spc="0" strike="noStrike" sz="3800" u="none">
+        <a:defRPr sz="3800" b="0" i="0" u="none" strike="noStrike" cap="none" spc="0" baseline="0">
           <a:ln>
             <a:noFill/>
           </a:ln>
@@ -2736,7 +2830,7 @@
         <a:buFontTx/>
         <a:buChar char="•"/>
         <a:tabLst/>
-        <a:defRPr b="0" baseline="0" cap="none" i="0" spc="0" strike="noStrike" sz="3800" u="none">
+        <a:defRPr sz="3800" b="0" i="0" u="none" strike="noStrike" cap="none" spc="0" baseline="0">
           <a:ln>
             <a:noFill/>
           </a:ln>
@@ -2767,7 +2861,7 @@
         <a:buFontTx/>
         <a:buNone/>
         <a:tabLst/>
-        <a:defRPr b="0" baseline="0" cap="none" i="0" spc="0" strike="noStrike" sz="1800" u="none">
+        <a:defRPr sz="1800" b="0" i="0" u="none" strike="noStrike" cap="none" spc="0" baseline="0">
           <a:ln>
             <a:noFill/>
           </a:ln>
@@ -2796,7 +2890,7 @@
         <a:buFontTx/>
         <a:buNone/>
         <a:tabLst/>
-        <a:defRPr b="0" baseline="0" cap="none" i="0" spc="0" strike="noStrike" sz="1800" u="none">
+        <a:defRPr sz="1800" b="0" i="0" u="none" strike="noStrike" cap="none" spc="0" baseline="0">
           <a:ln>
             <a:noFill/>
           </a:ln>
@@ -2825,7 +2919,7 @@
         <a:buFontTx/>
         <a:buNone/>
         <a:tabLst/>
-        <a:defRPr b="0" baseline="0" cap="none" i="0" spc="0" strike="noStrike" sz="1800" u="none">
+        <a:defRPr sz="1800" b="0" i="0" u="none" strike="noStrike" cap="none" spc="0" baseline="0">
           <a:ln>
             <a:noFill/>
           </a:ln>
@@ -2854,7 +2948,7 @@
         <a:buFontTx/>
         <a:buNone/>
         <a:tabLst/>
-        <a:defRPr b="0" baseline="0" cap="none" i="0" spc="0" strike="noStrike" sz="1800" u="none">
+        <a:defRPr sz="1800" b="0" i="0" u="none" strike="noStrike" cap="none" spc="0" baseline="0">
           <a:ln>
             <a:noFill/>
           </a:ln>
@@ -2883,7 +2977,7 @@
         <a:buFontTx/>
         <a:buNone/>
         <a:tabLst/>
-        <a:defRPr b="0" baseline="0" cap="none" i="0" spc="0" strike="noStrike" sz="1800" u="none">
+        <a:defRPr sz="1800" b="0" i="0" u="none" strike="noStrike" cap="none" spc="0" baseline="0">
           <a:ln>
             <a:noFill/>
           </a:ln>
@@ -2912,7 +3006,7 @@
         <a:buFontTx/>
         <a:buNone/>
         <a:tabLst/>
-        <a:defRPr b="0" baseline="0" cap="none" i="0" spc="0" strike="noStrike" sz="1800" u="none">
+        <a:defRPr sz="1800" b="0" i="0" u="none" strike="noStrike" cap="none" spc="0" baseline="0">
           <a:ln>
             <a:noFill/>
           </a:ln>
@@ -2941,7 +3035,7 @@
         <a:buFontTx/>
         <a:buNone/>
         <a:tabLst/>
-        <a:defRPr b="0" baseline="0" cap="none" i="0" spc="0" strike="noStrike" sz="1800" u="none">
+        <a:defRPr sz="1800" b="0" i="0" u="none" strike="noStrike" cap="none" spc="0" baseline="0">
           <a:ln>
             <a:noFill/>
           </a:ln>
@@ -2970,7 +3064,7 @@
         <a:buFontTx/>
         <a:buNone/>
         <a:tabLst/>
-        <a:defRPr b="0" baseline="0" cap="none" i="0" spc="0" strike="noStrike" sz="1800" u="none">
+        <a:defRPr sz="1800" b="0" i="0" u="none" strike="noStrike" cap="none" spc="0" baseline="0">
           <a:ln>
             <a:noFill/>
           </a:ln>
@@ -2999,7 +3093,7 @@
         <a:buFontTx/>
         <a:buNone/>
         <a:tabLst/>
-        <a:defRPr b="0" baseline="0" cap="none" i="0" spc="0" strike="noStrike" sz="1800" u="none">
+        <a:defRPr sz="1800" b="0" i="0" u="none" strike="noStrike" cap="none" spc="0" baseline="0">
           <a:ln>
             <a:noFill/>
           </a:ln>
@@ -3019,7 +3113,7 @@
 </file>
 
 <file path=ppt/slides/slide1.xml><?xml version="1.0" encoding="utf-8"?>
-<p:sld xmlns:a="http://schemas.openxmlformats.org/drawingml/2006/main" xmlns:r="http://schemas.openxmlformats.org/officeDocument/2006/relationships" xmlns:p="http://schemas.openxmlformats.org/presentationml/2006/main" showMasterSp="1" showMasterPhAnim="1">
+<p:sld xmlns:a="http://schemas.openxmlformats.org/drawingml/2006/main" xmlns:r="http://schemas.openxmlformats.org/officeDocument/2006/relationships" xmlns:p="http://schemas.openxmlformats.org/presentationml/2006/main">
   <p:cSld>
     <p:spTree>
       <p:nvGrpSpPr>
@@ -3038,7 +3132,9 @@
       <p:sp>
         <p:nvSpPr>
           <p:cNvPr id="119" name="Shape 119"/>
-          <p:cNvSpPr/>
+          <p:cNvSpPr>
+            <a:spLocks noGrp="1"/>
+          </p:cNvSpPr>
           <p:nvPr>
             <p:ph type="ctrTitle"/>
           </p:nvPr>
@@ -3084,7 +3180,9 @@
       <p:sp>
         <p:nvSpPr>
           <p:cNvPr id="120" name="Shape 120"/>
-          <p:cNvSpPr/>
+          <p:cNvSpPr>
+            <a:spLocks noGrp="1"/>
+          </p:cNvSpPr>
           <p:nvPr>
             <p:ph type="subTitle" sz="quarter" idx="1"/>
           </p:nvPr>
@@ -3102,7 +3200,6 @@
           <a:bodyPr/>
           <a:lstStyle/>
           <a:p>
-            <a:pPr/>
             <a:r>
               <a:t>Workgroup Assignment</a:t>
             </a:r>
@@ -3134,7 +3231,7 @@
         </p:spPr>
         <p:txBody>
           <a:bodyPr lIns="50800" tIns="50800" rIns="50800" bIns="50800">
-            <a:normAutofit fontScale="100000" lnSpcReduction="0"/>
+            <a:normAutofit lnSpcReduction="10000"/>
           </a:bodyPr>
           <a:lstStyle/>
           <a:p>
@@ -3149,6 +3246,7 @@
             <a:pPr>
               <a:defRPr sz="1200"/>
             </a:pPr>
+            <a:endParaRPr/>
           </a:p>
           <a:p>
             <a:pPr>
@@ -3205,18 +3303,19 @@
   <p:clrMapOvr>
     <a:masterClrMapping/>
   </p:clrMapOvr>
-  <p:transition xmlns:p14="http://schemas.microsoft.com/office/powerpoint/2010/main" spd="med" advClick="1"/>
+  <p:transition spd="med"/>
 </p:sld>
 </file>
 
 <file path=ppt/slides/slide10.xml><?xml version="1.0" encoding="utf-8"?>
-<p:sld xmlns:a="http://schemas.openxmlformats.org/drawingml/2006/main" xmlns:r="http://schemas.openxmlformats.org/officeDocument/2006/relationships" xmlns:p="http://schemas.openxmlformats.org/presentationml/2006/main" showMasterSp="1" showMasterPhAnim="1">
+<p:sld xmlns:a="http://schemas.openxmlformats.org/drawingml/2006/main" xmlns:r="http://schemas.openxmlformats.org/officeDocument/2006/relationships" xmlns:p="http://schemas.openxmlformats.org/presentationml/2006/main">
   <p:cSld>
     <p:bg>
       <p:bgPr>
         <a:solidFill>
           <a:srgbClr val="FFFFFF"/>
         </a:solidFill>
+        <a:effectLst/>
       </p:bgPr>
     </p:bg>
     <p:spTree>
@@ -3296,7 +3395,6 @@
             </a:lvl1pPr>
           </a:lstStyle>
           <a:p>
-            <a:pPr/>
             <a:r>
               <a:t>Group 12 - Level 1</a:t>
             </a:r>
@@ -3308,12 +3406,12 @@
   <p:clrMapOvr>
     <a:masterClrMapping/>
   </p:clrMapOvr>
-  <p:transition xmlns:p14="http://schemas.microsoft.com/office/powerpoint/2010/main" spd="med" advClick="1" p14:dur="1000"/>
+  <p:transition spd="slow"/>
 </p:sld>
 </file>
 
 <file path=ppt/slides/slide11.xml><?xml version="1.0" encoding="utf-8"?>
-<p:sld xmlns:a="http://schemas.openxmlformats.org/drawingml/2006/main" xmlns:r="http://schemas.openxmlformats.org/officeDocument/2006/relationships" xmlns:p="http://schemas.openxmlformats.org/presentationml/2006/main" showMasterSp="1" showMasterPhAnim="1">
+<p:sld xmlns:a="http://schemas.openxmlformats.org/drawingml/2006/main" xmlns:r="http://schemas.openxmlformats.org/officeDocument/2006/relationships" xmlns:p="http://schemas.openxmlformats.org/presentationml/2006/main">
   <p:cSld>
     <p:spTree>
       <p:nvGrpSpPr>
@@ -3358,11 +3456,10 @@
           </a:bodyPr>
           <a:lstStyle>
             <a:lvl1pPr>
-              <a:defRPr cap="small" sz="7300"/>
+              <a:defRPr sz="7300" cap="small"/>
             </a:lvl1pPr>
           </a:lstStyle>
           <a:p>
-            <a:pPr/>
             <a:r>
               <a:t>Fixed Fleet size VRPTW</a:t>
             </a:r>
@@ -3372,7 +3469,9 @@
       <p:sp>
         <p:nvSpPr>
           <p:cNvPr id="172" name="Shape 172"/>
-          <p:cNvSpPr/>
+          <p:cNvSpPr>
+            <a:spLocks noGrp="1"/>
+          </p:cNvSpPr>
           <p:nvPr>
             <p:ph type="body" sz="quarter" idx="4294967295"/>
           </p:nvPr>
@@ -3398,7 +3497,6 @@
             </a:lvl1pPr>
           </a:lstStyle>
           <a:p>
-            <a:pPr/>
             <a:r>
               <a:t>Level 2</a:t>
             </a:r>
@@ -3410,12 +3508,12 @@
   <p:clrMapOvr>
     <a:masterClrMapping/>
   </p:clrMapOvr>
-  <p:transition xmlns:p14="http://schemas.microsoft.com/office/powerpoint/2010/main" spd="med" advClick="1" p14:dur="1000"/>
+  <p:transition spd="slow"/>
 </p:sld>
 </file>
 
 <file path=ppt/slides/slide12.xml><?xml version="1.0" encoding="utf-8"?>
-<p:sld xmlns:a="http://schemas.openxmlformats.org/drawingml/2006/main" xmlns:r="http://schemas.openxmlformats.org/officeDocument/2006/relationships" xmlns:p="http://schemas.openxmlformats.org/presentationml/2006/main" showMasterSp="1" showMasterPhAnim="1">
+<p:sld xmlns:a="http://schemas.openxmlformats.org/drawingml/2006/main" xmlns:r="http://schemas.openxmlformats.org/officeDocument/2006/relationships" xmlns:p="http://schemas.openxmlformats.org/presentationml/2006/main">
   <p:cSld>
     <p:spTree>
       <p:nvGrpSpPr>
@@ -3472,7 +3570,6 @@
             </a:lvl1pPr>
           </a:lstStyle>
           <a:p>
-            <a:pPr/>
             <a:r>
               <a:t>Create initial solution</a:t>
             </a:r>
@@ -3520,7 +3617,6 @@
             </a:lvl1pPr>
           </a:lstStyle>
           <a:p>
-            <a:pPr/>
             <a:r>
               <a:t>Balance the solution</a:t>
             </a:r>
@@ -3556,7 +3652,6 @@
           </a:bodyPr>
           <a:lstStyle/>
           <a:p>
-            <a:pPr/>
             <a:r>
               <a:t>Not balanced</a:t>
             </a:r>
@@ -3592,7 +3687,6 @@
           </a:bodyPr>
           <a:lstStyle/>
           <a:p>
-            <a:pPr/>
             <a:r>
               <a:t>80 seconds</a:t>
             </a:r>
@@ -3628,7 +3722,6 @@
           </a:bodyPr>
           <a:lstStyle/>
           <a:p>
-            <a:pPr/>
             <a:r>
               <a:t>40 seconds</a:t>
             </a:r>
@@ -3664,7 +3757,7 @@
           <a:bodyPr lIns="50800" tIns="50800" rIns="50800" bIns="50800" anchor="ctr"/>
           <a:lstStyle/>
           <a:p>
-            <a:pPr/>
+            <a:endParaRPr/>
           </a:p>
         </p:txBody>
       </p:sp>
@@ -3701,7 +3794,6 @@
             </a:lvl1pPr>
           </a:lstStyle>
           <a:p>
-            <a:pPr/>
             <a:r>
               <a:t>Group 12 - Level 2</a:t>
             </a:r>
@@ -3737,11 +3829,10 @@
           </a:bodyPr>
           <a:lstStyle>
             <a:lvl1pPr>
-              <a:defRPr cap="all" sz="6200"/>
+              <a:defRPr sz="6200" cap="all"/>
             </a:lvl1pPr>
           </a:lstStyle>
           <a:p>
-            <a:pPr/>
             <a:r>
               <a:t>Fixed number of vehicle</a:t>
             </a:r>
@@ -3781,7 +3872,6 @@
             </a:lvl1pPr>
           </a:lstStyle>
           <a:p>
-            <a:pPr/>
             <a:r>
               <a:t>balancing Two-Phase Approach</a:t>
             </a:r>
@@ -3793,12 +3883,12 @@
   <p:clrMapOvr>
     <a:masterClrMapping/>
   </p:clrMapOvr>
-  <p:transition xmlns:p14="http://schemas.microsoft.com/office/powerpoint/2010/main" spd="med" advClick="1" p14:dur="1000"/>
+  <p:transition spd="slow"/>
 </p:sld>
 </file>
 
 <file path=ppt/slides/slide13.xml><?xml version="1.0" encoding="utf-8"?>
-<p:sld xmlns:a="http://schemas.openxmlformats.org/drawingml/2006/main" xmlns:r="http://schemas.openxmlformats.org/officeDocument/2006/relationships" xmlns:p="http://schemas.openxmlformats.org/presentationml/2006/main" showMasterSp="1" showMasterPhAnim="1">
+<p:sld xmlns:a="http://schemas.openxmlformats.org/drawingml/2006/main" xmlns:r="http://schemas.openxmlformats.org/officeDocument/2006/relationships" xmlns:p="http://schemas.openxmlformats.org/presentationml/2006/main">
   <p:cSld>
     <p:spTree>
       <p:nvGrpSpPr>
@@ -3847,7 +3937,6 @@
             </a:lvl1pPr>
           </a:lstStyle>
           <a:p>
-            <a:pPr/>
             <a:r>
               <a:t>Group 12 - Level 2</a:t>
             </a:r>
@@ -3857,7 +3946,9 @@
       <p:sp>
         <p:nvSpPr>
           <p:cNvPr id="185" name="Shape 185"/>
-          <p:cNvSpPr/>
+          <p:cNvSpPr>
+            <a:spLocks noGrp="1"/>
+          </p:cNvSpPr>
           <p:nvPr>
             <p:ph type="body" idx="4294967295"/>
           </p:nvPr>
@@ -3960,11 +4051,10 @@
           </a:bodyPr>
           <a:lstStyle>
             <a:lvl1pPr>
-              <a:defRPr cap="all" sz="6200"/>
+              <a:defRPr sz="6200" cap="all"/>
             </a:lvl1pPr>
           </a:lstStyle>
           <a:p>
-            <a:pPr/>
             <a:r>
               <a:t>INITIAL SOLUTION</a:t>
             </a:r>
@@ -4004,7 +4094,6 @@
             </a:lvl1pPr>
           </a:lstStyle>
           <a:p>
-            <a:pPr/>
             <a:r>
               <a:t>not balanced</a:t>
             </a:r>
@@ -4016,12 +4105,12 @@
   <p:clrMapOvr>
     <a:masterClrMapping/>
   </p:clrMapOvr>
-  <p:transition xmlns:p14="http://schemas.microsoft.com/office/powerpoint/2010/main" spd="med" advClick="1" p14:dur="1000"/>
+  <p:transition spd="slow"/>
 </p:sld>
 </file>
 
 <file path=ppt/slides/slide14.xml><?xml version="1.0" encoding="utf-8"?>
-<p:sld xmlns:a="http://schemas.openxmlformats.org/drawingml/2006/main" xmlns:r="http://schemas.openxmlformats.org/officeDocument/2006/relationships" xmlns:p="http://schemas.openxmlformats.org/presentationml/2006/main" showMasterSp="1" showMasterPhAnim="1">
+<p:sld xmlns:a="http://schemas.openxmlformats.org/drawingml/2006/main" xmlns:r="http://schemas.openxmlformats.org/officeDocument/2006/relationships" xmlns:p="http://schemas.openxmlformats.org/presentationml/2006/main">
   <p:cSld>
     <p:spTree>
       <p:nvGrpSpPr>
@@ -4040,7 +4129,9 @@
       <p:sp>
         <p:nvSpPr>
           <p:cNvPr id="189" name="Shape 189"/>
-          <p:cNvSpPr/>
+          <p:cNvSpPr>
+            <a:spLocks noGrp="1"/>
+          </p:cNvSpPr>
           <p:nvPr>
             <p:ph type="subTitle" sz="half" idx="1"/>
           </p:nvPr>
@@ -4118,11 +4209,10 @@
           </a:bodyPr>
           <a:lstStyle>
             <a:lvl1pPr>
-              <a:defRPr cap="all" sz="6200"/>
+              <a:defRPr sz="6200" cap="all"/>
             </a:lvl1pPr>
           </a:lstStyle>
           <a:p>
-            <a:pPr/>
             <a:r>
               <a:t>from part 1 to 2</a:t>
             </a:r>
@@ -4162,7 +4252,6 @@
             </a:lvl1pPr>
           </a:lstStyle>
           <a:p>
-            <a:pPr/>
             <a:r>
               <a:t>Group 12 - Level 2</a:t>
             </a:r>
@@ -4174,12 +4263,12 @@
   <p:clrMapOvr>
     <a:masterClrMapping/>
   </p:clrMapOvr>
-  <p:transition xmlns:p14="http://schemas.microsoft.com/office/powerpoint/2010/main" spd="med" advClick="1" p14:dur="1000"/>
+  <p:transition spd="slow"/>
 </p:sld>
 </file>
 
 <file path=ppt/slides/slide15.xml><?xml version="1.0" encoding="utf-8"?>
-<p:sld xmlns:a="http://schemas.openxmlformats.org/drawingml/2006/main" xmlns:r="http://schemas.openxmlformats.org/officeDocument/2006/relationships" xmlns:p="http://schemas.openxmlformats.org/presentationml/2006/main" showMasterSp="1" showMasterPhAnim="1">
+<p:sld xmlns:a="http://schemas.openxmlformats.org/drawingml/2006/main" xmlns:r="http://schemas.openxmlformats.org/officeDocument/2006/relationships" xmlns:p="http://schemas.openxmlformats.org/presentationml/2006/main">
   <p:cSld>
     <p:spTree>
       <p:nvGrpSpPr>
@@ -4198,7 +4287,9 @@
       <p:sp>
         <p:nvSpPr>
           <p:cNvPr id="193" name="Shape 193"/>
-          <p:cNvSpPr/>
+          <p:cNvSpPr>
+            <a:spLocks noGrp="1"/>
+          </p:cNvSpPr>
           <p:nvPr>
             <p:ph type="title"/>
           </p:nvPr>
@@ -4212,7 +4303,6 @@
           <a:bodyPr/>
           <a:lstStyle/>
           <a:p>
-            <a:pPr/>
             <a:r>
               <a:t>balancing algorithm</a:t>
             </a:r>
@@ -4222,7 +4312,9 @@
       <p:sp>
         <p:nvSpPr>
           <p:cNvPr id="194" name="Shape 194"/>
-          <p:cNvSpPr/>
+          <p:cNvSpPr>
+            <a:spLocks noGrp="1"/>
+          </p:cNvSpPr>
           <p:nvPr>
             <p:ph type="body" idx="1"/>
           </p:nvPr>
@@ -4434,7 +4526,6 @@
             </a:lvl1pPr>
           </a:lstStyle>
           <a:p>
-            <a:pPr/>
             <a:r>
               <a:t>Group 12 - Level 2</a:t>
             </a:r>
@@ -4446,12 +4537,12 @@
   <p:clrMapOvr>
     <a:masterClrMapping/>
   </p:clrMapOvr>
-  <p:transition xmlns:p14="http://schemas.microsoft.com/office/powerpoint/2010/main" spd="med" advClick="1" p14:dur="1000"/>
+  <p:transition spd="slow"/>
 </p:sld>
 </file>
 
 <file path=ppt/slides/slide16.xml><?xml version="1.0" encoding="utf-8"?>
-<p:sld xmlns:a="http://schemas.openxmlformats.org/drawingml/2006/main" xmlns:r="http://schemas.openxmlformats.org/officeDocument/2006/relationships" xmlns:p="http://schemas.openxmlformats.org/presentationml/2006/main" showMasterSp="1" showMasterPhAnim="1">
+<p:sld xmlns:a="http://schemas.openxmlformats.org/drawingml/2006/main" xmlns:r="http://schemas.openxmlformats.org/officeDocument/2006/relationships" xmlns:p="http://schemas.openxmlformats.org/presentationml/2006/main">
   <p:cSld>
     <p:spTree>
       <p:nvGrpSpPr>
@@ -4554,7 +4645,6 @@
           </a:bodyPr>
           <a:lstStyle/>
           <a:p>
-            <a:pPr/>
             <a:r>
               <a:t>Before</a:t>
             </a:r>
@@ -4590,7 +4680,6 @@
           </a:bodyPr>
           <a:lstStyle/>
           <a:p>
-            <a:pPr/>
             <a:r>
               <a:t>After</a:t>
             </a:r>
@@ -4626,11 +4715,10 @@
           </a:bodyPr>
           <a:lstStyle>
             <a:lvl1pPr>
-              <a:defRPr cap="all" sz="5000"/>
+              <a:defRPr sz="5000" cap="all"/>
             </a:lvl1pPr>
           </a:lstStyle>
           <a:p>
-            <a:pPr/>
             <a:r>
               <a:t>Implementation of soft Constraint</a:t>
             </a:r>
@@ -4642,18 +4730,19 @@
   <p:clrMapOvr>
     <a:masterClrMapping/>
   </p:clrMapOvr>
-  <p:transition xmlns:p14="http://schemas.microsoft.com/office/powerpoint/2010/main" spd="med" advClick="1" p14:dur="1000"/>
+  <p:transition spd="slow"/>
 </p:sld>
 </file>
 
 <file path=ppt/slides/slide17.xml><?xml version="1.0" encoding="utf-8"?>
-<p:sld xmlns:a="http://schemas.openxmlformats.org/drawingml/2006/main" xmlns:r="http://schemas.openxmlformats.org/officeDocument/2006/relationships" xmlns:p="http://schemas.openxmlformats.org/presentationml/2006/main" showMasterSp="1" showMasterPhAnim="1">
+<p:sld xmlns:a="http://schemas.openxmlformats.org/drawingml/2006/main" xmlns:r="http://schemas.openxmlformats.org/officeDocument/2006/relationships" xmlns:p="http://schemas.openxmlformats.org/presentationml/2006/main">
   <p:cSld>
     <p:bg>
       <p:bgPr>
         <a:solidFill>
           <a:srgbClr val="FFFFFF"/>
         </a:solidFill>
+        <a:effectLst/>
       </p:bgPr>
     </p:bg>
     <p:spTree>
@@ -4732,7 +4821,6 @@
             </a:lvl1pPr>
           </a:lstStyle>
           <a:p>
-            <a:pPr/>
             <a:r>
               <a:t>Group 12 - Level 2</a:t>
             </a:r>
@@ -4744,18 +4832,19 @@
   <p:clrMapOvr>
     <a:masterClrMapping/>
   </p:clrMapOvr>
-  <p:transition xmlns:p14="http://schemas.microsoft.com/office/powerpoint/2010/main" spd="med" advClick="1" p14:dur="1000"/>
+  <p:transition spd="slow"/>
 </p:sld>
 </file>
 
 <file path=ppt/slides/slide18.xml><?xml version="1.0" encoding="utf-8"?>
-<p:sld xmlns:a="http://schemas.openxmlformats.org/drawingml/2006/main" xmlns:r="http://schemas.openxmlformats.org/officeDocument/2006/relationships" xmlns:p="http://schemas.openxmlformats.org/presentationml/2006/main" showMasterSp="1" showMasterPhAnim="1">
+<p:sld xmlns:a="http://schemas.openxmlformats.org/drawingml/2006/main" xmlns:r="http://schemas.openxmlformats.org/officeDocument/2006/relationships" xmlns:p="http://schemas.openxmlformats.org/presentationml/2006/main">
   <p:cSld>
     <p:bg>
       <p:bgPr>
         <a:solidFill>
           <a:srgbClr val="FFFFFF"/>
         </a:solidFill>
+        <a:effectLst/>
       </p:bgPr>
     </p:bg>
     <p:spTree>
@@ -4834,7 +4923,6 @@
             </a:lvl1pPr>
           </a:lstStyle>
           <a:p>
-            <a:pPr/>
             <a:r>
               <a:t>Group 12 - Level 2</a:t>
             </a:r>
@@ -4846,12 +4934,12 @@
   <p:clrMapOvr>
     <a:masterClrMapping/>
   </p:clrMapOvr>
-  <p:transition xmlns:p14="http://schemas.microsoft.com/office/powerpoint/2010/main" spd="med" advClick="1" p14:dur="1000"/>
+  <p:transition spd="slow"/>
 </p:sld>
 </file>
 
 <file path=ppt/slides/slide19.xml><?xml version="1.0" encoding="utf-8"?>
-<p:sld xmlns:a="http://schemas.openxmlformats.org/drawingml/2006/main" xmlns:r="http://schemas.openxmlformats.org/officeDocument/2006/relationships" xmlns:p="http://schemas.openxmlformats.org/presentationml/2006/main" showMasterSp="1" showMasterPhAnim="1">
+<p:sld xmlns:a="http://schemas.openxmlformats.org/drawingml/2006/main" xmlns:r="http://schemas.openxmlformats.org/officeDocument/2006/relationships" xmlns:p="http://schemas.openxmlformats.org/presentationml/2006/main">
   <p:cSld>
     <p:spTree>
       <p:nvGrpSpPr>
@@ -4870,7 +4958,9 @@
       <p:sp>
         <p:nvSpPr>
           <p:cNvPr id="210" name="Shape 210"/>
-          <p:cNvSpPr/>
+          <p:cNvSpPr>
+            <a:spLocks noGrp="1"/>
+          </p:cNvSpPr>
           <p:nvPr>
             <p:ph type="body" idx="14"/>
           </p:nvPr>
@@ -4888,7 +4978,6 @@
           <a:bodyPr/>
           <a:lstStyle/>
           <a:p>
-            <a:pPr/>
             <a:r>
               <a:t>Thank you!</a:t>
             </a:r>
@@ -4900,12 +4989,12 @@
   <p:clrMapOvr>
     <a:masterClrMapping/>
   </p:clrMapOvr>
-  <p:transition xmlns:p14="http://schemas.microsoft.com/office/powerpoint/2010/main" spd="med" advClick="1" p14:dur="1000"/>
+  <p:transition spd="slow"/>
 </p:sld>
 </file>
 
 <file path=ppt/slides/slide2.xml><?xml version="1.0" encoding="utf-8"?>
-<p:sld xmlns:a="http://schemas.openxmlformats.org/drawingml/2006/main" xmlns:r="http://schemas.openxmlformats.org/officeDocument/2006/relationships" xmlns:p="http://schemas.openxmlformats.org/presentationml/2006/main" showMasterSp="1" showMasterPhAnim="1">
+<p:sld xmlns:a="http://schemas.openxmlformats.org/drawingml/2006/main" xmlns:r="http://schemas.openxmlformats.org/officeDocument/2006/relationships" xmlns:p="http://schemas.openxmlformats.org/presentationml/2006/main">
   <p:cSld>
     <p:spTree>
       <p:nvGrpSpPr>
@@ -4924,7 +5013,9 @@
       <p:sp>
         <p:nvSpPr>
           <p:cNvPr id="123" name="Shape 123"/>
-          <p:cNvSpPr/>
+          <p:cNvSpPr>
+            <a:spLocks noGrp="1"/>
+          </p:cNvSpPr>
           <p:nvPr>
             <p:ph type="ctrTitle"/>
           </p:nvPr>
@@ -4942,11 +5033,10 @@
           <a:bodyPr/>
           <a:lstStyle>
             <a:lvl1pPr>
-              <a:defRPr cap="small" sz="7300"/>
+              <a:defRPr sz="7300" cap="small"/>
             </a:lvl1pPr>
           </a:lstStyle>
           <a:p>
-            <a:pPr/>
             <a:r>
               <a:t>a Solver for VRPTW</a:t>
             </a:r>
@@ -4956,7 +5046,9 @@
       <p:sp>
         <p:nvSpPr>
           <p:cNvPr id="124" name="Shape 124"/>
-          <p:cNvSpPr/>
+          <p:cNvSpPr>
+            <a:spLocks noGrp="1"/>
+          </p:cNvSpPr>
           <p:nvPr>
             <p:ph type="subTitle" sz="quarter" idx="1"/>
           </p:nvPr>
@@ -4974,7 +5066,6 @@
           <a:bodyPr/>
           <a:lstStyle/>
           <a:p>
-            <a:pPr/>
             <a:r>
               <a:t>Level 1</a:t>
             </a:r>
@@ -4986,12 +5077,12 @@
   <p:clrMapOvr>
     <a:masterClrMapping/>
   </p:clrMapOvr>
-  <p:transition xmlns:p14="http://schemas.microsoft.com/office/powerpoint/2010/main" spd="med" advClick="1" p14:dur="1000"/>
+  <p:transition spd="slow"/>
 </p:sld>
 </file>
 
 <file path=ppt/slides/slide3.xml><?xml version="1.0" encoding="utf-8"?>
-<p:sld xmlns:a="http://schemas.openxmlformats.org/drawingml/2006/main" xmlns:r="http://schemas.openxmlformats.org/officeDocument/2006/relationships" xmlns:p="http://schemas.openxmlformats.org/presentationml/2006/main" showMasterSp="1" showMasterPhAnim="1">
+<p:sld xmlns:a="http://schemas.openxmlformats.org/drawingml/2006/main" xmlns:r="http://schemas.openxmlformats.org/officeDocument/2006/relationships" xmlns:p="http://schemas.openxmlformats.org/presentationml/2006/main">
   <p:cSld>
     <p:spTree>
       <p:nvGrpSpPr>
@@ -5010,7 +5101,9 @@
       <p:sp>
         <p:nvSpPr>
           <p:cNvPr id="126" name="Shape 126"/>
-          <p:cNvSpPr/>
+          <p:cNvSpPr>
+            <a:spLocks noGrp="1"/>
+          </p:cNvSpPr>
           <p:nvPr>
             <p:ph type="body" sz="half" idx="4294967295"/>
           </p:nvPr>
@@ -5033,10 +5126,11 @@
               <a:buNone/>
             </a:pPr>
             <a:r>
+              <a:rPr dirty="0"/>
               <a:t>Subsequent generation of  “childhood” starting from </a:t>
             </a:r>
             <a:r>
-              <a:rPr>
+              <a:rPr dirty="0">
                 <a:latin typeface="Gill Sans SemiBold"/>
                 <a:ea typeface="Gill Sans SemiBold"/>
                 <a:cs typeface="Gill Sans SemiBold"/>
@@ -5045,6 +5139,7 @@
               <a:t>six initial configuration</a:t>
             </a:r>
             <a:r>
+              <a:rPr dirty="0"/>
               <a:t> (one for each acceptor) by changing, step by step, different type of parameters.</a:t>
             </a:r>
           </a:p>
@@ -5054,7 +5149,24 @@
               <a:buNone/>
             </a:pPr>
             <a:r>
-              <a:t>At every step, the new “childhood” is created stating from the best configurations found so far.</a:t>
+              <a:rPr dirty="0"/>
+              <a:t>At every step, the new “childhood” is created </a:t>
+            </a:r>
+            <a:r>
+              <a:rPr dirty="0" smtClean="0"/>
+              <a:t>sta</a:t>
+            </a:r>
+            <a:r>
+              <a:rPr lang="it-IT" dirty="0" err="1" smtClean="0"/>
+              <a:t>r</a:t>
+            </a:r>
+            <a:r>
+              <a:rPr dirty="0" smtClean="0"/>
+              <a:t>ting </a:t>
+            </a:r>
+            <a:r>
+              <a:rPr dirty="0"/>
+              <a:t>from the best configurations found so far.</a:t>
             </a:r>
           </a:p>
         </p:txBody>
@@ -5088,11 +5200,10 @@
           </a:bodyPr>
           <a:lstStyle>
             <a:lvl1pPr>
-              <a:defRPr cap="all" sz="6200"/>
+              <a:defRPr sz="6200" cap="all"/>
             </a:lvl1pPr>
           </a:lstStyle>
           <a:p>
-            <a:pPr/>
             <a:r>
               <a:t>HEURISTIC Approach</a:t>
             </a:r>
@@ -5132,7 +5243,6 @@
             </a:lvl1pPr>
           </a:lstStyle>
           <a:p>
-            <a:pPr/>
             <a:r>
               <a:t>to find the best configuration</a:t>
             </a:r>
@@ -5168,7 +5278,6 @@
           </a:bodyPr>
           <a:lstStyle/>
           <a:p>
-            <a:pPr/>
             <a:r>
               <a:t>Acceptor</a:t>
             </a:r>
@@ -5204,7 +5313,6 @@
           </a:bodyPr>
           <a:lstStyle/>
           <a:p>
-            <a:pPr/>
             <a:r>
               <a:t>Selector</a:t>
             </a:r>
@@ -5240,7 +5348,6 @@
           </a:bodyPr>
           <a:lstStyle/>
           <a:p>
-            <a:pPr/>
             <a:r>
               <a:t>Insertion</a:t>
             </a:r>
@@ -5276,7 +5383,6 @@
           </a:bodyPr>
           <a:lstStyle/>
           <a:p>
-            <a:pPr/>
             <a:r>
               <a:t>Probability</a:t>
             </a:r>
@@ -5312,7 +5418,6 @@
           </a:bodyPr>
           <a:lstStyle/>
           <a:p>
-            <a:pPr/>
             <a:r>
               <a:t>Share</a:t>
             </a:r>
@@ -5348,7 +5453,6 @@
           </a:bodyPr>
           <a:lstStyle/>
           <a:p>
-            <a:pPr/>
             <a:r>
               <a:t>Memory</a:t>
             </a:r>
@@ -5384,7 +5488,6 @@
           </a:bodyPr>
           <a:lstStyle/>
           <a:p>
-            <a:pPr/>
             <a:r>
               <a:t>Alpha</a:t>
             </a:r>
@@ -5420,7 +5523,6 @@
           </a:bodyPr>
           <a:lstStyle/>
           <a:p>
-            <a:pPr/>
             <a:r>
               <a:t>InitialThreshold</a:t>
             </a:r>
@@ -5453,7 +5555,7 @@
           <a:bodyPr lIns="50800" tIns="50800" rIns="50800" bIns="50800" anchor="ctr"/>
           <a:lstStyle/>
           <a:p>
-            <a:pPr/>
+            <a:endParaRPr/>
           </a:p>
         </p:txBody>
       </p:sp>
@@ -5483,7 +5585,7 @@
           <a:bodyPr lIns="50800" tIns="50800" rIns="50800" bIns="50800" anchor="ctr"/>
           <a:lstStyle/>
           <a:p>
-            <a:pPr/>
+            <a:endParaRPr/>
           </a:p>
         </p:txBody>
       </p:sp>
@@ -5520,7 +5622,6 @@
             </a:lvl1pPr>
           </a:lstStyle>
           <a:p>
-            <a:pPr/>
             <a:r>
               <a:t>Group 12 - Level 1</a:t>
             </a:r>
@@ -5532,12 +5633,12 @@
   <p:clrMapOvr>
     <a:masterClrMapping/>
   </p:clrMapOvr>
-  <p:transition xmlns:p14="http://schemas.microsoft.com/office/powerpoint/2010/main" spd="med" advClick="1" p14:dur="1000"/>
+  <p:transition spd="slow"/>
 </p:sld>
 </file>
 
 <file path=ppt/slides/slide4.xml><?xml version="1.0" encoding="utf-8"?>
-<p:sld xmlns:a="http://schemas.openxmlformats.org/drawingml/2006/main" xmlns:r="http://schemas.openxmlformats.org/officeDocument/2006/relationships" xmlns:p="http://schemas.openxmlformats.org/presentationml/2006/main" showMasterSp="1" showMasterPhAnim="1">
+<p:sld xmlns:a="http://schemas.openxmlformats.org/drawingml/2006/main" xmlns:r="http://schemas.openxmlformats.org/officeDocument/2006/relationships" xmlns:p="http://schemas.openxmlformats.org/presentationml/2006/main">
   <p:cSld>
     <p:spTree>
       <p:nvGrpSpPr>
@@ -5556,7 +5657,9 @@
       <p:sp>
         <p:nvSpPr>
           <p:cNvPr id="141" name="Shape 141"/>
-          <p:cNvSpPr/>
+          <p:cNvSpPr>
+            <a:spLocks noGrp="1"/>
+          </p:cNvSpPr>
           <p:nvPr>
             <p:ph type="body" idx="1"/>
           </p:nvPr>
@@ -5571,7 +5674,9 @@
           </a:prstGeom>
         </p:spPr>
         <p:txBody>
-          <a:bodyPr anchor="t"/>
+          <a:bodyPr anchor="t">
+            <a:normAutofit lnSpcReduction="10000"/>
+          </a:bodyPr>
           <a:lstStyle/>
           <a:p>
             <a:pPr marL="0" indent="0">
@@ -5713,11 +5818,10 @@
           </a:bodyPr>
           <a:lstStyle>
             <a:lvl1pPr>
-              <a:defRPr cap="all" sz="6200"/>
+              <a:defRPr sz="6200" cap="all"/>
             </a:lvl1pPr>
           </a:lstStyle>
           <a:p>
-            <a:pPr/>
             <a:r>
               <a:t>First result</a:t>
             </a:r>
@@ -5757,7 +5861,6 @@
             </a:lvl1pPr>
           </a:lstStyle>
           <a:p>
-            <a:pPr/>
             <a:r>
               <a:t>and first selection</a:t>
             </a:r>
@@ -5797,7 +5900,6 @@
             </a:lvl1pPr>
           </a:lstStyle>
           <a:p>
-            <a:pPr/>
             <a:r>
               <a:t>Group 12 - Level 1</a:t>
             </a:r>
@@ -5809,12 +5911,12 @@
   <p:clrMapOvr>
     <a:masterClrMapping/>
   </p:clrMapOvr>
-  <p:transition xmlns:p14="http://schemas.microsoft.com/office/powerpoint/2010/main" spd="med" advClick="1" p14:dur="1000"/>
+  <p:transition spd="slow"/>
 </p:sld>
 </file>
 
 <file path=ppt/slides/slide5.xml><?xml version="1.0" encoding="utf-8"?>
-<p:sld xmlns:a="http://schemas.openxmlformats.org/drawingml/2006/main" xmlns:r="http://schemas.openxmlformats.org/officeDocument/2006/relationships" xmlns:p="http://schemas.openxmlformats.org/presentationml/2006/main" showMasterSp="1" showMasterPhAnim="1">
+<p:sld xmlns:a="http://schemas.openxmlformats.org/drawingml/2006/main" xmlns:r="http://schemas.openxmlformats.org/officeDocument/2006/relationships" xmlns:p="http://schemas.openxmlformats.org/presentationml/2006/main">
   <p:cSld>
     <p:spTree>
       <p:nvGrpSpPr>
@@ -5833,7 +5935,9 @@
       <p:sp>
         <p:nvSpPr>
           <p:cNvPr id="146" name="Shape 146"/>
-          <p:cNvSpPr/>
+          <p:cNvSpPr>
+            <a:spLocks noGrp="1"/>
+          </p:cNvSpPr>
           <p:nvPr>
             <p:ph type="body" idx="4294967295"/>
           </p:nvPr>
@@ -5956,11 +6060,10 @@
           </a:bodyPr>
           <a:lstStyle>
             <a:lvl1pPr>
-              <a:defRPr cap="all" sz="6200"/>
+              <a:defRPr sz="6200" cap="all"/>
             </a:lvl1pPr>
           </a:lstStyle>
           <a:p>
-            <a:pPr/>
             <a:r>
               <a:t>second result</a:t>
             </a:r>
@@ -6000,7 +6103,6 @@
             </a:lvl1pPr>
           </a:lstStyle>
           <a:p>
-            <a:pPr/>
             <a:r>
               <a:t>and second selection</a:t>
             </a:r>
@@ -6040,7 +6142,6 @@
             </a:lvl1pPr>
           </a:lstStyle>
           <a:p>
-            <a:pPr/>
             <a:r>
               <a:t>Group 12 - Level 1</a:t>
             </a:r>
@@ -6052,12 +6153,12 @@
   <p:clrMapOvr>
     <a:masterClrMapping/>
   </p:clrMapOvr>
-  <p:transition xmlns:p14="http://schemas.microsoft.com/office/powerpoint/2010/main" spd="med" advClick="1" p14:dur="1000"/>
+  <p:transition spd="slow"/>
 </p:sld>
 </file>
 
 <file path=ppt/slides/slide6.xml><?xml version="1.0" encoding="utf-8"?>
-<p:sld xmlns:a="http://schemas.openxmlformats.org/drawingml/2006/main" xmlns:r="http://schemas.openxmlformats.org/officeDocument/2006/relationships" xmlns:p="http://schemas.openxmlformats.org/presentationml/2006/main" showMasterSp="1" showMasterPhAnim="1">
+<p:sld xmlns:a="http://schemas.openxmlformats.org/drawingml/2006/main" xmlns:r="http://schemas.openxmlformats.org/officeDocument/2006/relationships" xmlns:p="http://schemas.openxmlformats.org/presentationml/2006/main">
   <p:cSld>
     <p:spTree>
       <p:nvGrpSpPr>
@@ -6076,7 +6177,9 @@
       <p:sp>
         <p:nvSpPr>
           <p:cNvPr id="151" name="Shape 151"/>
-          <p:cNvSpPr/>
+          <p:cNvSpPr>
+            <a:spLocks noGrp="1"/>
+          </p:cNvSpPr>
           <p:nvPr>
             <p:ph type="body" idx="4294967295"/>
           </p:nvPr>
@@ -6099,10 +6202,11 @@
               <a:buNone/>
             </a:pPr>
             <a:r>
+              <a:rPr dirty="0"/>
               <a:t>But last tests on </a:t>
             </a:r>
             <a:r>
-              <a:rPr>
+              <a:rPr dirty="0">
                 <a:latin typeface="Gill Sans SemiBold"/>
                 <a:ea typeface="Gill Sans SemiBold"/>
                 <a:cs typeface="Gill Sans SemiBold"/>
@@ -6111,10 +6215,11 @@
               <a:t>alpha</a:t>
             </a:r>
             <a:r>
+              <a:rPr dirty="0"/>
               <a:t> and </a:t>
             </a:r>
             <a:r>
-              <a:rPr>
+              <a:rPr dirty="0">
                 <a:latin typeface="Gill Sans SemiBold"/>
                 <a:ea typeface="Gill Sans SemiBold"/>
                 <a:cs typeface="Gill Sans SemiBold"/>
@@ -6123,6 +6228,7 @@
               <a:t>initialThreshold </a:t>
             </a:r>
             <a:r>
+              <a:rPr dirty="0"/>
               <a:t>on the shrimpf shows that this configuration was really good only on rC200 instances, with not so good result on rC100 problems.</a:t>
             </a:r>
           </a:p>
@@ -6132,10 +6238,11 @@
               <a:buNone/>
             </a:pPr>
             <a:r>
+              <a:rPr dirty="0"/>
               <a:t>rC100 problems were solved in a good way by greedy strategies, so… </a:t>
             </a:r>
             <a:r>
-              <a:rPr>
+              <a:rPr dirty="0">
                 <a:latin typeface="Gill Sans SemiBold"/>
                 <a:ea typeface="Gill Sans SemiBold"/>
                 <a:cs typeface="Gill Sans SemiBold"/>
@@ -6144,6 +6251,7 @@
               <a:t>why don’t mix them together</a:t>
             </a:r>
             <a:r>
+              <a:rPr dirty="0"/>
               <a:t>?</a:t>
             </a:r>
           </a:p>
@@ -6153,10 +6261,27 @@
               <a:buNone/>
             </a:pPr>
             <a:r>
-              <a:t>We biult a </a:t>
-            </a:r>
-            <a:r>
-              <a:rPr>
+              <a:rPr dirty="0"/>
+              <a:t>We </a:t>
+            </a:r>
+            <a:r>
+              <a:rPr dirty="0" smtClean="0"/>
+              <a:t>b</a:t>
+            </a:r>
+            <a:r>
+              <a:rPr lang="it-IT" smtClean="0"/>
+              <a:t>ui</a:t>
+            </a:r>
+            <a:r>
+              <a:rPr smtClean="0"/>
+              <a:t>lt </a:t>
+            </a:r>
+            <a:r>
+              <a:rPr dirty="0"/>
+              <a:t>a </a:t>
+            </a:r>
+            <a:r>
+              <a:rPr dirty="0">
                 <a:latin typeface="Gill Sans SemiBold"/>
                 <a:ea typeface="Gill Sans SemiBold"/>
                 <a:cs typeface="Gill Sans SemiBold"/>
@@ -6165,6 +6290,7 @@
               <a:t>4 strategies configuration 80% shrimpf and 20% greedy</a:t>
             </a:r>
             <a:r>
+              <a:rPr dirty="0"/>
               <a:t>!</a:t>
             </a:r>
           </a:p>
@@ -6199,11 +6325,10 @@
           </a:bodyPr>
           <a:lstStyle>
             <a:lvl1pPr>
-              <a:defRPr cap="all" sz="6200"/>
+              <a:defRPr sz="6200" cap="all"/>
             </a:lvl1pPr>
           </a:lstStyle>
           <a:p>
-            <a:pPr/>
             <a:r>
               <a:t>Last Selection</a:t>
             </a:r>
@@ -6243,7 +6368,6 @@
             </a:lvl1pPr>
           </a:lstStyle>
           <a:p>
-            <a:pPr/>
             <a:r>
               <a:t>our best configuration</a:t>
             </a:r>
@@ -6283,7 +6407,6 @@
             </a:lvl1pPr>
           </a:lstStyle>
           <a:p>
-            <a:pPr/>
             <a:r>
               <a:t>Group 12 - Level 1</a:t>
             </a:r>
@@ -6295,18 +6418,19 @@
   <p:clrMapOvr>
     <a:masterClrMapping/>
   </p:clrMapOvr>
-  <p:transition xmlns:p14="http://schemas.microsoft.com/office/powerpoint/2010/main" spd="med" advClick="1" p14:dur="1000"/>
+  <p:transition spd="slow"/>
 </p:sld>
 </file>
 
 <file path=ppt/slides/slide7.xml><?xml version="1.0" encoding="utf-8"?>
-<p:sld xmlns:a="http://schemas.openxmlformats.org/drawingml/2006/main" xmlns:r="http://schemas.openxmlformats.org/officeDocument/2006/relationships" xmlns:p="http://schemas.openxmlformats.org/presentationml/2006/main" showMasterSp="1" showMasterPhAnim="1">
+<p:sld xmlns:a="http://schemas.openxmlformats.org/drawingml/2006/main" xmlns:r="http://schemas.openxmlformats.org/officeDocument/2006/relationships" xmlns:p="http://schemas.openxmlformats.org/presentationml/2006/main">
   <p:cSld>
     <p:bg>
       <p:bgPr>
         <a:solidFill>
           <a:srgbClr val="FFFFFF"/>
         </a:solidFill>
+        <a:effectLst/>
       </p:bgPr>
     </p:bg>
     <p:spTree>
@@ -6385,7 +6509,6 @@
             </a:lvl1pPr>
           </a:lstStyle>
           <a:p>
-            <a:pPr/>
             <a:r>
               <a:t>Group 12 - Level 1</a:t>
             </a:r>
@@ -6397,12 +6520,12 @@
   <p:clrMapOvr>
     <a:masterClrMapping/>
   </p:clrMapOvr>
-  <p:transition xmlns:p14="http://schemas.microsoft.com/office/powerpoint/2010/main" spd="med" advClick="1" p14:dur="1000"/>
+  <p:transition spd="slow"/>
 </p:sld>
 </file>
 
 <file path=ppt/slides/slide8.xml><?xml version="1.0" encoding="utf-8"?>
-<p:sld xmlns:a="http://schemas.openxmlformats.org/drawingml/2006/main" xmlns:r="http://schemas.openxmlformats.org/officeDocument/2006/relationships" xmlns:p="http://schemas.openxmlformats.org/presentationml/2006/main" showMasterSp="1" showMasterPhAnim="1">
+<p:sld xmlns:a="http://schemas.openxmlformats.org/drawingml/2006/main" xmlns:r="http://schemas.openxmlformats.org/officeDocument/2006/relationships" xmlns:p="http://schemas.openxmlformats.org/presentationml/2006/main">
   <p:cSld>
     <p:spTree>
       <p:nvGrpSpPr>
@@ -6447,11 +6570,10 @@
           </a:bodyPr>
           <a:lstStyle>
             <a:lvl1pPr>
-              <a:defRPr cap="small" sz="6200"/>
+              <a:defRPr sz="6200" cap="small"/>
             </a:lvl1pPr>
           </a:lstStyle>
           <a:p>
-            <a:pPr/>
             <a:r>
               <a:t>our Configuration</a:t>
             </a:r>
@@ -6491,7 +6613,6 @@
             </a:lvl1pPr>
           </a:lstStyle>
           <a:p>
-            <a:pPr/>
             <a:r>
               <a:t>on details</a:t>
             </a:r>
@@ -6589,7 +6710,6 @@
             </a:lvl1pPr>
           </a:lstStyle>
           <a:p>
-            <a:pPr/>
             <a:r>
               <a:t>Group 12 - Level 1</a:t>
             </a:r>
@@ -6601,18 +6721,19 @@
   <p:clrMapOvr>
     <a:masterClrMapping/>
   </p:clrMapOvr>
-  <p:transition xmlns:p14="http://schemas.microsoft.com/office/powerpoint/2010/main" spd="med" advClick="1" p14:dur="1000"/>
+  <p:transition spd="slow"/>
 </p:sld>
 </file>
 
 <file path=ppt/slides/slide9.xml><?xml version="1.0" encoding="utf-8"?>
-<p:sld xmlns:a="http://schemas.openxmlformats.org/drawingml/2006/main" xmlns:r="http://schemas.openxmlformats.org/officeDocument/2006/relationships" xmlns:p="http://schemas.openxmlformats.org/presentationml/2006/main" showMasterSp="1" showMasterPhAnim="1">
+<p:sld xmlns:a="http://schemas.openxmlformats.org/drawingml/2006/main" xmlns:r="http://schemas.openxmlformats.org/officeDocument/2006/relationships" xmlns:p="http://schemas.openxmlformats.org/presentationml/2006/main">
   <p:cSld>
     <p:bg>
       <p:bgPr>
         <a:solidFill>
           <a:srgbClr val="FFFFFF"/>
         </a:solidFill>
+        <a:effectLst/>
       </p:bgPr>
     </p:bg>
     <p:spTree>
@@ -6692,7 +6813,6 @@
             </a:lvl1pPr>
           </a:lstStyle>
           <a:p>
-            <a:pPr/>
             <a:r>
               <a:t>Group 12 - Level 1</a:t>
             </a:r>
@@ -6704,12 +6824,12 @@
   <p:clrMapOvr>
     <a:masterClrMapping/>
   </p:clrMapOvr>
-  <p:transition xmlns:p14="http://schemas.microsoft.com/office/powerpoint/2010/main" spd="med" advClick="1" p14:dur="1000"/>
+  <p:transition spd="slow"/>
 </p:sld>
 </file>
 
 <file path=ppt/theme/theme1.xml><?xml version="1.0" encoding="utf-8"?>
-<a:theme xmlns:a="http://schemas.openxmlformats.org/drawingml/2006/main" xmlns:r="http://schemas.openxmlformats.org/officeDocument/2006/relationships" name="Showroom">
+<a:theme xmlns:a="http://schemas.openxmlformats.org/drawingml/2006/main" name="Showroom">
   <a:themeElements>
     <a:clrScheme name="Showroom">
       <a:dk1>
@@ -6908,7 +7028,7 @@
         <a:effectLst/>
         <a:sp3d/>
       </a:spPr>
-      <a:bodyPr rot="0" spcFirstLastPara="1" vertOverflow="overflow" horzOverflow="overflow" vert="horz" wrap="square" lIns="50800" tIns="50800" rIns="50800" bIns="50800" numCol="1" spcCol="38100" rtlCol="0" anchor="ctr" upright="0">
+      <a:bodyPr rot="0" spcFirstLastPara="1" vertOverflow="overflow" horzOverflow="overflow" vert="horz" wrap="square" lIns="50800" tIns="50800" rIns="50800" bIns="50800" numCol="1" spcCol="38100" rtlCol="0" anchor="ctr">
         <a:spAutoFit/>
       </a:bodyPr>
       <a:lstStyle>
@@ -6927,7 +7047,7 @@
           <a:buFontTx/>
           <a:buNone/>
           <a:tabLst/>
-          <a:defRPr b="0" baseline="0" cap="none" i="0" spc="0" strike="noStrike" sz="3600" u="none" kumimoji="0" normalizeH="0">
+          <a:defRPr kumimoji="0" sz="3600" b="0" i="0" u="none" strike="noStrike" cap="none" spc="0" normalizeH="0" baseline="0">
             <a:ln>
               <a:noFill/>
             </a:ln>
@@ -6957,7 +7077,7 @@
           <a:buFontTx/>
           <a:buNone/>
           <a:tabLst/>
-          <a:defRPr b="0" baseline="0" cap="none" i="0" spc="0" strike="noStrike" sz="1800" u="none" kumimoji="0" normalizeH="0">
+          <a:defRPr kumimoji="0" sz="1800" b="0" i="0" u="none" strike="noStrike" cap="none" spc="0" normalizeH="0" baseline="0">
             <a:ln>
               <a:noFill/>
             </a:ln>
@@ -6983,7 +7103,7 @@
           <a:buFontTx/>
           <a:buNone/>
           <a:tabLst/>
-          <a:defRPr b="0" baseline="0" cap="none" i="0" spc="0" strike="noStrike" sz="1800" u="none" kumimoji="0" normalizeH="0">
+          <a:defRPr kumimoji="0" sz="1800" b="0" i="0" u="none" strike="noStrike" cap="none" spc="0" normalizeH="0" baseline="0">
             <a:ln>
               <a:noFill/>
             </a:ln>
@@ -7009,7 +7129,7 @@
           <a:buFontTx/>
           <a:buNone/>
           <a:tabLst/>
-          <a:defRPr b="0" baseline="0" cap="none" i="0" spc="0" strike="noStrike" sz="1800" u="none" kumimoji="0" normalizeH="0">
+          <a:defRPr kumimoji="0" sz="1800" b="0" i="0" u="none" strike="noStrike" cap="none" spc="0" normalizeH="0" baseline="0">
             <a:ln>
               <a:noFill/>
             </a:ln>
@@ -7035,7 +7155,7 @@
           <a:buFontTx/>
           <a:buNone/>
           <a:tabLst/>
-          <a:defRPr b="0" baseline="0" cap="none" i="0" spc="0" strike="noStrike" sz="1800" u="none" kumimoji="0" normalizeH="0">
+          <a:defRPr kumimoji="0" sz="1800" b="0" i="0" u="none" strike="noStrike" cap="none" spc="0" normalizeH="0" baseline="0">
             <a:ln>
               <a:noFill/>
             </a:ln>
@@ -7061,7 +7181,7 @@
           <a:buFontTx/>
           <a:buNone/>
           <a:tabLst/>
-          <a:defRPr b="0" baseline="0" cap="none" i="0" spc="0" strike="noStrike" sz="1800" u="none" kumimoji="0" normalizeH="0">
+          <a:defRPr kumimoji="0" sz="1800" b="0" i="0" u="none" strike="noStrike" cap="none" spc="0" normalizeH="0" baseline="0">
             <a:ln>
               <a:noFill/>
             </a:ln>
@@ -7087,7 +7207,7 @@
           <a:buFontTx/>
           <a:buNone/>
           <a:tabLst/>
-          <a:defRPr b="0" baseline="0" cap="none" i="0" spc="0" strike="noStrike" sz="1800" u="none" kumimoji="0" normalizeH="0">
+          <a:defRPr kumimoji="0" sz="1800" b="0" i="0" u="none" strike="noStrike" cap="none" spc="0" normalizeH="0" baseline="0">
             <a:ln>
               <a:noFill/>
             </a:ln>
@@ -7113,7 +7233,7 @@
           <a:buFontTx/>
           <a:buNone/>
           <a:tabLst/>
-          <a:defRPr b="0" baseline="0" cap="none" i="0" spc="0" strike="noStrike" sz="1800" u="none" kumimoji="0" normalizeH="0">
+          <a:defRPr kumimoji="0" sz="1800" b="0" i="0" u="none" strike="noStrike" cap="none" spc="0" normalizeH="0" baseline="0">
             <a:ln>
               <a:noFill/>
             </a:ln>
@@ -7139,7 +7259,7 @@
           <a:buFontTx/>
           <a:buNone/>
           <a:tabLst/>
-          <a:defRPr b="0" baseline="0" cap="none" i="0" spc="0" strike="noStrike" sz="1800" u="none" kumimoji="0" normalizeH="0">
+          <a:defRPr kumimoji="0" sz="1800" b="0" i="0" u="none" strike="noStrike" cap="none" spc="0" normalizeH="0" baseline="0">
             <a:ln>
               <a:noFill/>
             </a:ln>
@@ -7165,7 +7285,7 @@
           <a:buFontTx/>
           <a:buNone/>
           <a:tabLst/>
-          <a:defRPr b="0" baseline="0" cap="none" i="0" spc="0" strike="noStrike" sz="1800" u="none" kumimoji="0" normalizeH="0">
+          <a:defRPr kumimoji="0" sz="1800" b="0" i="0" u="none" strike="noStrike" cap="none" spc="0" normalizeH="0" baseline="0">
             <a:ln>
               <a:noFill/>
             </a:ln>
@@ -7178,9 +7298,15 @@
         </a:lvl9pPr>
       </a:lstStyle>
       <a:style>
-        <a:lnRef idx="0"/>
-        <a:fillRef idx="0"/>
-        <a:effectRef idx="0"/>
+        <a:lnRef idx="0">
+          <a:scrgbClr r="0" g="0" b="0"/>
+        </a:lnRef>
+        <a:fillRef idx="0">
+          <a:scrgbClr r="0" g="0" b="0"/>
+        </a:fillRef>
+        <a:effectRef idx="0">
+          <a:scrgbClr r="0" g="0" b="0"/>
+        </a:effectRef>
         <a:fontRef idx="none"/>
       </a:style>
     </a:spDef>
@@ -7197,7 +7323,7 @@
         <a:effectLst/>
         <a:sp3d/>
       </a:spPr>
-      <a:bodyPr rot="0" spcFirstLastPara="1" vertOverflow="overflow" horzOverflow="overflow" vert="horz" wrap="square" lIns="91439" tIns="45719" rIns="91439" bIns="45719" numCol="1" spcCol="38100" rtlCol="0" anchor="t" upright="0">
+      <a:bodyPr rot="0" spcFirstLastPara="1" vertOverflow="overflow" horzOverflow="overflow" vert="horz" wrap="square" lIns="91439" tIns="45719" rIns="91439" bIns="45719" numCol="1" spcCol="38100" rtlCol="0" anchor="t">
         <a:noAutofit/>
       </a:bodyPr>
       <a:lstStyle>
@@ -7216,7 +7342,7 @@
           <a:buFontTx/>
           <a:buNone/>
           <a:tabLst/>
-          <a:defRPr b="0" baseline="0" cap="none" i="0" spc="0" strike="noStrike" sz="1800" u="none" kumimoji="0" normalizeH="0">
+          <a:defRPr kumimoji="0" sz="1800" b="0" i="0" u="none" strike="noStrike" cap="none" spc="0" normalizeH="0" baseline="0">
             <a:ln>
               <a:noFill/>
             </a:ln>
@@ -7242,7 +7368,7 @@
           <a:buFontTx/>
           <a:buNone/>
           <a:tabLst/>
-          <a:defRPr b="0" baseline="0" cap="none" i="0" spc="0" strike="noStrike" sz="1800" u="none" kumimoji="0" normalizeH="0">
+          <a:defRPr kumimoji="0" sz="1800" b="0" i="0" u="none" strike="noStrike" cap="none" spc="0" normalizeH="0" baseline="0">
             <a:ln>
               <a:noFill/>
             </a:ln>
@@ -7268,7 +7394,7 @@
           <a:buFontTx/>
           <a:buNone/>
           <a:tabLst/>
-          <a:defRPr b="0" baseline="0" cap="none" i="0" spc="0" strike="noStrike" sz="1800" u="none" kumimoji="0" normalizeH="0">
+          <a:defRPr kumimoji="0" sz="1800" b="0" i="0" u="none" strike="noStrike" cap="none" spc="0" normalizeH="0" baseline="0">
             <a:ln>
               <a:noFill/>
             </a:ln>
@@ -7294,7 +7420,7 @@
           <a:buFontTx/>
           <a:buNone/>
           <a:tabLst/>
-          <a:defRPr b="0" baseline="0" cap="none" i="0" spc="0" strike="noStrike" sz="1800" u="none" kumimoji="0" normalizeH="0">
+          <a:defRPr kumimoji="0" sz="1800" b="0" i="0" u="none" strike="noStrike" cap="none" spc="0" normalizeH="0" baseline="0">
             <a:ln>
               <a:noFill/>
             </a:ln>
@@ -7320,7 +7446,7 @@
           <a:buFontTx/>
           <a:buNone/>
           <a:tabLst/>
-          <a:defRPr b="0" baseline="0" cap="none" i="0" spc="0" strike="noStrike" sz="1800" u="none" kumimoji="0" normalizeH="0">
+          <a:defRPr kumimoji="0" sz="1800" b="0" i="0" u="none" strike="noStrike" cap="none" spc="0" normalizeH="0" baseline="0">
             <a:ln>
               <a:noFill/>
             </a:ln>
@@ -7346,7 +7472,7 @@
           <a:buFontTx/>
           <a:buNone/>
           <a:tabLst/>
-          <a:defRPr b="0" baseline="0" cap="none" i="0" spc="0" strike="noStrike" sz="1800" u="none" kumimoji="0" normalizeH="0">
+          <a:defRPr kumimoji="0" sz="1800" b="0" i="0" u="none" strike="noStrike" cap="none" spc="0" normalizeH="0" baseline="0">
             <a:ln>
               <a:noFill/>
             </a:ln>
@@ -7372,7 +7498,7 @@
           <a:buFontTx/>
           <a:buNone/>
           <a:tabLst/>
-          <a:defRPr b="0" baseline="0" cap="none" i="0" spc="0" strike="noStrike" sz="1800" u="none" kumimoji="0" normalizeH="0">
+          <a:defRPr kumimoji="0" sz="1800" b="0" i="0" u="none" strike="noStrike" cap="none" spc="0" normalizeH="0" baseline="0">
             <a:ln>
               <a:noFill/>
             </a:ln>
@@ -7398,7 +7524,7 @@
           <a:buFontTx/>
           <a:buNone/>
           <a:tabLst/>
-          <a:defRPr b="0" baseline="0" cap="none" i="0" spc="0" strike="noStrike" sz="1800" u="none" kumimoji="0" normalizeH="0">
+          <a:defRPr kumimoji="0" sz="1800" b="0" i="0" u="none" strike="noStrike" cap="none" spc="0" normalizeH="0" baseline="0">
             <a:ln>
               <a:noFill/>
             </a:ln>
@@ -7424,7 +7550,7 @@
           <a:buFontTx/>
           <a:buNone/>
           <a:tabLst/>
-          <a:defRPr b="0" baseline="0" cap="none" i="0" spc="0" strike="noStrike" sz="1800" u="none" kumimoji="0" normalizeH="0">
+          <a:defRPr kumimoji="0" sz="1800" b="0" i="0" u="none" strike="noStrike" cap="none" spc="0" normalizeH="0" baseline="0">
             <a:ln>
               <a:noFill/>
             </a:ln>
@@ -7450,7 +7576,7 @@
           <a:buFontTx/>
           <a:buNone/>
           <a:tabLst/>
-          <a:defRPr b="0" baseline="0" cap="none" i="0" spc="0" strike="noStrike" sz="1800" u="none" kumimoji="0" normalizeH="0">
+          <a:defRPr kumimoji="0" sz="1800" b="0" i="0" u="none" strike="noStrike" cap="none" spc="0" normalizeH="0" baseline="0">
             <a:ln>
               <a:noFill/>
             </a:ln>
@@ -7463,9 +7589,15 @@
         </a:lvl9pPr>
       </a:lstStyle>
       <a:style>
-        <a:lnRef idx="0"/>
-        <a:fillRef idx="0"/>
-        <a:effectRef idx="0"/>
+        <a:lnRef idx="0">
+          <a:scrgbClr r="0" g="0" b="0"/>
+        </a:lnRef>
+        <a:fillRef idx="0">
+          <a:scrgbClr r="0" g="0" b="0"/>
+        </a:fillRef>
+        <a:effectRef idx="0">
+          <a:scrgbClr r="0" g="0" b="0"/>
+        </a:effectRef>
         <a:fontRef idx="none"/>
       </a:style>
     </a:lnDef>
@@ -7479,7 +7611,7 @@
         <a:effectLst/>
         <a:sp3d/>
       </a:spPr>
-      <a:bodyPr rot="0" spcFirstLastPara="1" vertOverflow="overflow" horzOverflow="overflow" vert="horz" wrap="square" lIns="50800" tIns="50800" rIns="50800" bIns="50800" numCol="1" spcCol="38100" rtlCol="0" anchor="ctr" upright="0">
+      <a:bodyPr rot="0" spcFirstLastPara="1" vertOverflow="overflow" horzOverflow="overflow" vert="horz" wrap="square" lIns="50800" tIns="50800" rIns="50800" bIns="50800" numCol="1" spcCol="38100" rtlCol="0" anchor="ctr">
         <a:spAutoFit/>
       </a:bodyPr>
       <a:lstStyle>
@@ -7498,7 +7630,7 @@
           <a:buFontTx/>
           <a:buNone/>
           <a:tabLst/>
-          <a:defRPr b="0" baseline="0" cap="none" i="0" spc="0" strike="noStrike" sz="3600" u="none" kumimoji="0" normalizeH="0">
+          <a:defRPr kumimoji="0" sz="3600" b="0" i="0" u="none" strike="noStrike" cap="none" spc="0" normalizeH="0" baseline="0">
             <a:ln>
               <a:noFill/>
             </a:ln>
@@ -7528,7 +7660,7 @@
           <a:buFontTx/>
           <a:buNone/>
           <a:tabLst/>
-          <a:defRPr b="0" baseline="0" cap="none" i="0" spc="0" strike="noStrike" sz="1800" u="none" kumimoji="0" normalizeH="0">
+          <a:defRPr kumimoji="0" sz="1800" b="0" i="0" u="none" strike="noStrike" cap="none" spc="0" normalizeH="0" baseline="0">
             <a:ln>
               <a:noFill/>
             </a:ln>
@@ -7554,7 +7686,7 @@
           <a:buFontTx/>
           <a:buNone/>
           <a:tabLst/>
-          <a:defRPr b="0" baseline="0" cap="none" i="0" spc="0" strike="noStrike" sz="1800" u="none" kumimoji="0" normalizeH="0">
+          <a:defRPr kumimoji="0" sz="1800" b="0" i="0" u="none" strike="noStrike" cap="none" spc="0" normalizeH="0" baseline="0">
             <a:ln>
               <a:noFill/>
             </a:ln>
@@ -7580,7 +7712,7 @@
           <a:buFontTx/>
           <a:buNone/>
           <a:tabLst/>
-          <a:defRPr b="0" baseline="0" cap="none" i="0" spc="0" strike="noStrike" sz="1800" u="none" kumimoji="0" normalizeH="0">
+          <a:defRPr kumimoji="0" sz="1800" b="0" i="0" u="none" strike="noStrike" cap="none" spc="0" normalizeH="0" baseline="0">
             <a:ln>
               <a:noFill/>
             </a:ln>
@@ -7606,7 +7738,7 @@
           <a:buFontTx/>
           <a:buNone/>
           <a:tabLst/>
-          <a:defRPr b="0" baseline="0" cap="none" i="0" spc="0" strike="noStrike" sz="1800" u="none" kumimoji="0" normalizeH="0">
+          <a:defRPr kumimoji="0" sz="1800" b="0" i="0" u="none" strike="noStrike" cap="none" spc="0" normalizeH="0" baseline="0">
             <a:ln>
               <a:noFill/>
             </a:ln>
@@ -7632,7 +7764,7 @@
           <a:buFontTx/>
           <a:buNone/>
           <a:tabLst/>
-          <a:defRPr b="0" baseline="0" cap="none" i="0" spc="0" strike="noStrike" sz="1800" u="none" kumimoji="0" normalizeH="0">
+          <a:defRPr kumimoji="0" sz="1800" b="0" i="0" u="none" strike="noStrike" cap="none" spc="0" normalizeH="0" baseline="0">
             <a:ln>
               <a:noFill/>
             </a:ln>
@@ -7658,7 +7790,7 @@
           <a:buFontTx/>
           <a:buNone/>
           <a:tabLst/>
-          <a:defRPr b="0" baseline="0" cap="none" i="0" spc="0" strike="noStrike" sz="1800" u="none" kumimoji="0" normalizeH="0">
+          <a:defRPr kumimoji="0" sz="1800" b="0" i="0" u="none" strike="noStrike" cap="none" spc="0" normalizeH="0" baseline="0">
             <a:ln>
               <a:noFill/>
             </a:ln>
@@ -7684,7 +7816,7 @@
           <a:buFontTx/>
           <a:buNone/>
           <a:tabLst/>
-          <a:defRPr b="0" baseline="0" cap="none" i="0" spc="0" strike="noStrike" sz="1800" u="none" kumimoji="0" normalizeH="0">
+          <a:defRPr kumimoji="0" sz="1800" b="0" i="0" u="none" strike="noStrike" cap="none" spc="0" normalizeH="0" baseline="0">
             <a:ln>
               <a:noFill/>
             </a:ln>
@@ -7710,7 +7842,7 @@
           <a:buFontTx/>
           <a:buNone/>
           <a:tabLst/>
-          <a:defRPr b="0" baseline="0" cap="none" i="0" spc="0" strike="noStrike" sz="1800" u="none" kumimoji="0" normalizeH="0">
+          <a:defRPr kumimoji="0" sz="1800" b="0" i="0" u="none" strike="noStrike" cap="none" spc="0" normalizeH="0" baseline="0">
             <a:ln>
               <a:noFill/>
             </a:ln>
@@ -7736,7 +7868,7 @@
           <a:buFontTx/>
           <a:buNone/>
           <a:tabLst/>
-          <a:defRPr b="0" baseline="0" cap="none" i="0" spc="0" strike="noStrike" sz="1800" u="none" kumimoji="0" normalizeH="0">
+          <a:defRPr kumimoji="0" sz="1800" b="0" i="0" u="none" strike="noStrike" cap="none" spc="0" normalizeH="0" baseline="0">
             <a:ln>
               <a:noFill/>
             </a:ln>
@@ -7749,18 +7881,25 @@
         </a:lvl9pPr>
       </a:lstStyle>
       <a:style>
-        <a:lnRef idx="0"/>
-        <a:fillRef idx="0"/>
-        <a:effectRef idx="0"/>
+        <a:lnRef idx="0">
+          <a:scrgbClr r="0" g="0" b="0"/>
+        </a:lnRef>
+        <a:fillRef idx="0">
+          <a:scrgbClr r="0" g="0" b="0"/>
+        </a:fillRef>
+        <a:effectRef idx="0">
+          <a:scrgbClr r="0" g="0" b="0"/>
+        </a:effectRef>
         <a:fontRef idx="none"/>
       </a:style>
     </a:txDef>
   </a:objectDefaults>
+  <a:extraClrSchemeLst/>
 </a:theme>
 </file>
 
 <file path=ppt/theme/theme2.xml><?xml version="1.0" encoding="utf-8"?>
-<a:theme xmlns:a="http://schemas.openxmlformats.org/drawingml/2006/main" xmlns:r="http://schemas.openxmlformats.org/officeDocument/2006/relationships" name="Showroom">
+<a:theme xmlns:a="http://schemas.openxmlformats.org/drawingml/2006/main" name="Showroom">
   <a:themeElements>
     <a:clrScheme name="Showroom">
       <a:dk1>
@@ -7959,7 +8098,7 @@
         <a:effectLst/>
         <a:sp3d/>
       </a:spPr>
-      <a:bodyPr rot="0" spcFirstLastPara="1" vertOverflow="overflow" horzOverflow="overflow" vert="horz" wrap="square" lIns="50800" tIns="50800" rIns="50800" bIns="50800" numCol="1" spcCol="38100" rtlCol="0" anchor="ctr" upright="0">
+      <a:bodyPr rot="0" spcFirstLastPara="1" vertOverflow="overflow" horzOverflow="overflow" vert="horz" wrap="square" lIns="50800" tIns="50800" rIns="50800" bIns="50800" numCol="1" spcCol="38100" rtlCol="0" anchor="ctr">
         <a:spAutoFit/>
       </a:bodyPr>
       <a:lstStyle>
@@ -7978,7 +8117,7 @@
           <a:buFontTx/>
           <a:buNone/>
           <a:tabLst/>
-          <a:defRPr b="0" baseline="0" cap="none" i="0" spc="0" strike="noStrike" sz="3600" u="none" kumimoji="0" normalizeH="0">
+          <a:defRPr kumimoji="0" sz="3600" b="0" i="0" u="none" strike="noStrike" cap="none" spc="0" normalizeH="0" baseline="0">
             <a:ln>
               <a:noFill/>
             </a:ln>
@@ -8008,7 +8147,7 @@
           <a:buFontTx/>
           <a:buNone/>
           <a:tabLst/>
-          <a:defRPr b="0" baseline="0" cap="none" i="0" spc="0" strike="noStrike" sz="1800" u="none" kumimoji="0" normalizeH="0">
+          <a:defRPr kumimoji="0" sz="1800" b="0" i="0" u="none" strike="noStrike" cap="none" spc="0" normalizeH="0" baseline="0">
             <a:ln>
               <a:noFill/>
             </a:ln>
@@ -8034,7 +8173,7 @@
           <a:buFontTx/>
           <a:buNone/>
           <a:tabLst/>
-          <a:defRPr b="0" baseline="0" cap="none" i="0" spc="0" strike="noStrike" sz="1800" u="none" kumimoji="0" normalizeH="0">
+          <a:defRPr kumimoji="0" sz="1800" b="0" i="0" u="none" strike="noStrike" cap="none" spc="0" normalizeH="0" baseline="0">
             <a:ln>
               <a:noFill/>
             </a:ln>
@@ -8060,7 +8199,7 @@
           <a:buFontTx/>
           <a:buNone/>
           <a:tabLst/>
-          <a:defRPr b="0" baseline="0" cap="none" i="0" spc="0" strike="noStrike" sz="1800" u="none" kumimoji="0" normalizeH="0">
+          <a:defRPr kumimoji="0" sz="1800" b="0" i="0" u="none" strike="noStrike" cap="none" spc="0" normalizeH="0" baseline="0">
             <a:ln>
               <a:noFill/>
             </a:ln>
@@ -8086,7 +8225,7 @@
           <a:buFontTx/>
           <a:buNone/>
           <a:tabLst/>
-          <a:defRPr b="0" baseline="0" cap="none" i="0" spc="0" strike="noStrike" sz="1800" u="none" kumimoji="0" normalizeH="0">
+          <a:defRPr kumimoji="0" sz="1800" b="0" i="0" u="none" strike="noStrike" cap="none" spc="0" normalizeH="0" baseline="0">
             <a:ln>
               <a:noFill/>
             </a:ln>
@@ -8112,7 +8251,7 @@
           <a:buFontTx/>
           <a:buNone/>
           <a:tabLst/>
-          <a:defRPr b="0" baseline="0" cap="none" i="0" spc="0" strike="noStrike" sz="1800" u="none" kumimoji="0" normalizeH="0">
+          <a:defRPr kumimoji="0" sz="1800" b="0" i="0" u="none" strike="noStrike" cap="none" spc="0" normalizeH="0" baseline="0">
             <a:ln>
               <a:noFill/>
             </a:ln>
@@ -8138,7 +8277,7 @@
           <a:buFontTx/>
           <a:buNone/>
           <a:tabLst/>
-          <a:defRPr b="0" baseline="0" cap="none" i="0" spc="0" strike="noStrike" sz="1800" u="none" kumimoji="0" normalizeH="0">
+          <a:defRPr kumimoji="0" sz="1800" b="0" i="0" u="none" strike="noStrike" cap="none" spc="0" normalizeH="0" baseline="0">
             <a:ln>
               <a:noFill/>
             </a:ln>
@@ -8164,7 +8303,7 @@
           <a:buFontTx/>
           <a:buNone/>
           <a:tabLst/>
-          <a:defRPr b="0" baseline="0" cap="none" i="0" spc="0" strike="noStrike" sz="1800" u="none" kumimoji="0" normalizeH="0">
+          <a:defRPr kumimoji="0" sz="1800" b="0" i="0" u="none" strike="noStrike" cap="none" spc="0" normalizeH="0" baseline="0">
             <a:ln>
               <a:noFill/>
             </a:ln>
@@ -8190,7 +8329,7 @@
           <a:buFontTx/>
           <a:buNone/>
           <a:tabLst/>
-          <a:defRPr b="0" baseline="0" cap="none" i="0" spc="0" strike="noStrike" sz="1800" u="none" kumimoji="0" normalizeH="0">
+          <a:defRPr kumimoji="0" sz="1800" b="0" i="0" u="none" strike="noStrike" cap="none" spc="0" normalizeH="0" baseline="0">
             <a:ln>
               <a:noFill/>
             </a:ln>
@@ -8216,7 +8355,7 @@
           <a:buFontTx/>
           <a:buNone/>
           <a:tabLst/>
-          <a:defRPr b="0" baseline="0" cap="none" i="0" spc="0" strike="noStrike" sz="1800" u="none" kumimoji="0" normalizeH="0">
+          <a:defRPr kumimoji="0" sz="1800" b="0" i="0" u="none" strike="noStrike" cap="none" spc="0" normalizeH="0" baseline="0">
             <a:ln>
               <a:noFill/>
             </a:ln>
@@ -8229,9 +8368,15 @@
         </a:lvl9pPr>
       </a:lstStyle>
       <a:style>
-        <a:lnRef idx="0"/>
-        <a:fillRef idx="0"/>
-        <a:effectRef idx="0"/>
+        <a:lnRef idx="0">
+          <a:scrgbClr r="0" g="0" b="0"/>
+        </a:lnRef>
+        <a:fillRef idx="0">
+          <a:scrgbClr r="0" g="0" b="0"/>
+        </a:fillRef>
+        <a:effectRef idx="0">
+          <a:scrgbClr r="0" g="0" b="0"/>
+        </a:effectRef>
         <a:fontRef idx="none"/>
       </a:style>
     </a:spDef>
@@ -8248,7 +8393,7 @@
         <a:effectLst/>
         <a:sp3d/>
       </a:spPr>
-      <a:bodyPr rot="0" spcFirstLastPara="1" vertOverflow="overflow" horzOverflow="overflow" vert="horz" wrap="square" lIns="91439" tIns="45719" rIns="91439" bIns="45719" numCol="1" spcCol="38100" rtlCol="0" anchor="t" upright="0">
+      <a:bodyPr rot="0" spcFirstLastPara="1" vertOverflow="overflow" horzOverflow="overflow" vert="horz" wrap="square" lIns="91439" tIns="45719" rIns="91439" bIns="45719" numCol="1" spcCol="38100" rtlCol="0" anchor="t">
         <a:noAutofit/>
       </a:bodyPr>
       <a:lstStyle>
@@ -8267,7 +8412,7 @@
           <a:buFontTx/>
           <a:buNone/>
           <a:tabLst/>
-          <a:defRPr b="0" baseline="0" cap="none" i="0" spc="0" strike="noStrike" sz="1800" u="none" kumimoji="0" normalizeH="0">
+          <a:defRPr kumimoji="0" sz="1800" b="0" i="0" u="none" strike="noStrike" cap="none" spc="0" normalizeH="0" baseline="0">
             <a:ln>
               <a:noFill/>
             </a:ln>
@@ -8293,7 +8438,7 @@
           <a:buFontTx/>
           <a:buNone/>
           <a:tabLst/>
-          <a:defRPr b="0" baseline="0" cap="none" i="0" spc="0" strike="noStrike" sz="1800" u="none" kumimoji="0" normalizeH="0">
+          <a:defRPr kumimoji="0" sz="1800" b="0" i="0" u="none" strike="noStrike" cap="none" spc="0" normalizeH="0" baseline="0">
             <a:ln>
               <a:noFill/>
             </a:ln>
@@ -8319,7 +8464,7 @@
           <a:buFontTx/>
           <a:buNone/>
           <a:tabLst/>
-          <a:defRPr b="0" baseline="0" cap="none" i="0" spc="0" strike="noStrike" sz="1800" u="none" kumimoji="0" normalizeH="0">
+          <a:defRPr kumimoji="0" sz="1800" b="0" i="0" u="none" strike="noStrike" cap="none" spc="0" normalizeH="0" baseline="0">
             <a:ln>
               <a:noFill/>
             </a:ln>
@@ -8345,7 +8490,7 @@
           <a:buFontTx/>
           <a:buNone/>
           <a:tabLst/>
-          <a:defRPr b="0" baseline="0" cap="none" i="0" spc="0" strike="noStrike" sz="1800" u="none" kumimoji="0" normalizeH="0">
+          <a:defRPr kumimoji="0" sz="1800" b="0" i="0" u="none" strike="noStrike" cap="none" spc="0" normalizeH="0" baseline="0">
             <a:ln>
               <a:noFill/>
             </a:ln>
@@ -8371,7 +8516,7 @@
           <a:buFontTx/>
           <a:buNone/>
           <a:tabLst/>
-          <a:defRPr b="0" baseline="0" cap="none" i="0" spc="0" strike="noStrike" sz="1800" u="none" kumimoji="0" normalizeH="0">
+          <a:defRPr kumimoji="0" sz="1800" b="0" i="0" u="none" strike="noStrike" cap="none" spc="0" normalizeH="0" baseline="0">
             <a:ln>
               <a:noFill/>
             </a:ln>
@@ -8397,7 +8542,7 @@
           <a:buFontTx/>
           <a:buNone/>
           <a:tabLst/>
-          <a:defRPr b="0" baseline="0" cap="none" i="0" spc="0" strike="noStrike" sz="1800" u="none" kumimoji="0" normalizeH="0">
+          <a:defRPr kumimoji="0" sz="1800" b="0" i="0" u="none" strike="noStrike" cap="none" spc="0" normalizeH="0" baseline="0">
             <a:ln>
               <a:noFill/>
             </a:ln>
@@ -8423,7 +8568,7 @@
           <a:buFontTx/>
           <a:buNone/>
           <a:tabLst/>
-          <a:defRPr b="0" baseline="0" cap="none" i="0" spc="0" strike="noStrike" sz="1800" u="none" kumimoji="0" normalizeH="0">
+          <a:defRPr kumimoji="0" sz="1800" b="0" i="0" u="none" strike="noStrike" cap="none" spc="0" normalizeH="0" baseline="0">
             <a:ln>
               <a:noFill/>
             </a:ln>
@@ -8449,7 +8594,7 @@
           <a:buFontTx/>
           <a:buNone/>
           <a:tabLst/>
-          <a:defRPr b="0" baseline="0" cap="none" i="0" spc="0" strike="noStrike" sz="1800" u="none" kumimoji="0" normalizeH="0">
+          <a:defRPr kumimoji="0" sz="1800" b="0" i="0" u="none" strike="noStrike" cap="none" spc="0" normalizeH="0" baseline="0">
             <a:ln>
               <a:noFill/>
             </a:ln>
@@ -8475,7 +8620,7 @@
           <a:buFontTx/>
           <a:buNone/>
           <a:tabLst/>
-          <a:defRPr b="0" baseline="0" cap="none" i="0" spc="0" strike="noStrike" sz="1800" u="none" kumimoji="0" normalizeH="0">
+          <a:defRPr kumimoji="0" sz="1800" b="0" i="0" u="none" strike="noStrike" cap="none" spc="0" normalizeH="0" baseline="0">
             <a:ln>
               <a:noFill/>
             </a:ln>
@@ -8501,7 +8646,7 @@
           <a:buFontTx/>
           <a:buNone/>
           <a:tabLst/>
-          <a:defRPr b="0" baseline="0" cap="none" i="0" spc="0" strike="noStrike" sz="1800" u="none" kumimoji="0" normalizeH="0">
+          <a:defRPr kumimoji="0" sz="1800" b="0" i="0" u="none" strike="noStrike" cap="none" spc="0" normalizeH="0" baseline="0">
             <a:ln>
               <a:noFill/>
             </a:ln>
@@ -8514,9 +8659,15 @@
         </a:lvl9pPr>
       </a:lstStyle>
       <a:style>
-        <a:lnRef idx="0"/>
-        <a:fillRef idx="0"/>
-        <a:effectRef idx="0"/>
+        <a:lnRef idx="0">
+          <a:scrgbClr r="0" g="0" b="0"/>
+        </a:lnRef>
+        <a:fillRef idx="0">
+          <a:scrgbClr r="0" g="0" b="0"/>
+        </a:fillRef>
+        <a:effectRef idx="0">
+          <a:scrgbClr r="0" g="0" b="0"/>
+        </a:effectRef>
         <a:fontRef idx="none"/>
       </a:style>
     </a:lnDef>
@@ -8530,7 +8681,7 @@
         <a:effectLst/>
         <a:sp3d/>
       </a:spPr>
-      <a:bodyPr rot="0" spcFirstLastPara="1" vertOverflow="overflow" horzOverflow="overflow" vert="horz" wrap="square" lIns="50800" tIns="50800" rIns="50800" bIns="50800" numCol="1" spcCol="38100" rtlCol="0" anchor="ctr" upright="0">
+      <a:bodyPr rot="0" spcFirstLastPara="1" vertOverflow="overflow" horzOverflow="overflow" vert="horz" wrap="square" lIns="50800" tIns="50800" rIns="50800" bIns="50800" numCol="1" spcCol="38100" rtlCol="0" anchor="ctr">
         <a:spAutoFit/>
       </a:bodyPr>
       <a:lstStyle>
@@ -8549,7 +8700,7 @@
           <a:buFontTx/>
           <a:buNone/>
           <a:tabLst/>
-          <a:defRPr b="0" baseline="0" cap="none" i="0" spc="0" strike="noStrike" sz="3600" u="none" kumimoji="0" normalizeH="0">
+          <a:defRPr kumimoji="0" sz="3600" b="0" i="0" u="none" strike="noStrike" cap="none" spc="0" normalizeH="0" baseline="0">
             <a:ln>
               <a:noFill/>
             </a:ln>
@@ -8579,7 +8730,7 @@
           <a:buFontTx/>
           <a:buNone/>
           <a:tabLst/>
-          <a:defRPr b="0" baseline="0" cap="none" i="0" spc="0" strike="noStrike" sz="1800" u="none" kumimoji="0" normalizeH="0">
+          <a:defRPr kumimoji="0" sz="1800" b="0" i="0" u="none" strike="noStrike" cap="none" spc="0" normalizeH="0" baseline="0">
             <a:ln>
               <a:noFill/>
             </a:ln>
@@ -8605,7 +8756,7 @@
           <a:buFontTx/>
           <a:buNone/>
           <a:tabLst/>
-          <a:defRPr b="0" baseline="0" cap="none" i="0" spc="0" strike="noStrike" sz="1800" u="none" kumimoji="0" normalizeH="0">
+          <a:defRPr kumimoji="0" sz="1800" b="0" i="0" u="none" strike="noStrike" cap="none" spc="0" normalizeH="0" baseline="0">
             <a:ln>
               <a:noFill/>
             </a:ln>
@@ -8631,7 +8782,7 @@
           <a:buFontTx/>
           <a:buNone/>
           <a:tabLst/>
-          <a:defRPr b="0" baseline="0" cap="none" i="0" spc="0" strike="noStrike" sz="1800" u="none" kumimoji="0" normalizeH="0">
+          <a:defRPr kumimoji="0" sz="1800" b="0" i="0" u="none" strike="noStrike" cap="none" spc="0" normalizeH="0" baseline="0">
             <a:ln>
               <a:noFill/>
             </a:ln>
@@ -8657,7 +8808,7 @@
           <a:buFontTx/>
           <a:buNone/>
           <a:tabLst/>
-          <a:defRPr b="0" baseline="0" cap="none" i="0" spc="0" strike="noStrike" sz="1800" u="none" kumimoji="0" normalizeH="0">
+          <a:defRPr kumimoji="0" sz="1800" b="0" i="0" u="none" strike="noStrike" cap="none" spc="0" normalizeH="0" baseline="0">
             <a:ln>
               <a:noFill/>
             </a:ln>
@@ -8683,7 +8834,7 @@
           <a:buFontTx/>
           <a:buNone/>
           <a:tabLst/>
-          <a:defRPr b="0" baseline="0" cap="none" i="0" spc="0" strike="noStrike" sz="1800" u="none" kumimoji="0" normalizeH="0">
+          <a:defRPr kumimoji="0" sz="1800" b="0" i="0" u="none" strike="noStrike" cap="none" spc="0" normalizeH="0" baseline="0">
             <a:ln>
               <a:noFill/>
             </a:ln>
@@ -8709,7 +8860,7 @@
           <a:buFontTx/>
           <a:buNone/>
           <a:tabLst/>
-          <a:defRPr b="0" baseline="0" cap="none" i="0" spc="0" strike="noStrike" sz="1800" u="none" kumimoji="0" normalizeH="0">
+          <a:defRPr kumimoji="0" sz="1800" b="0" i="0" u="none" strike="noStrike" cap="none" spc="0" normalizeH="0" baseline="0">
             <a:ln>
               <a:noFill/>
             </a:ln>
@@ -8735,7 +8886,7 @@
           <a:buFontTx/>
           <a:buNone/>
           <a:tabLst/>
-          <a:defRPr b="0" baseline="0" cap="none" i="0" spc="0" strike="noStrike" sz="1800" u="none" kumimoji="0" normalizeH="0">
+          <a:defRPr kumimoji="0" sz="1800" b="0" i="0" u="none" strike="noStrike" cap="none" spc="0" normalizeH="0" baseline="0">
             <a:ln>
               <a:noFill/>
             </a:ln>
@@ -8761,7 +8912,7 @@
           <a:buFontTx/>
           <a:buNone/>
           <a:tabLst/>
-          <a:defRPr b="0" baseline="0" cap="none" i="0" spc="0" strike="noStrike" sz="1800" u="none" kumimoji="0" normalizeH="0">
+          <a:defRPr kumimoji="0" sz="1800" b="0" i="0" u="none" strike="noStrike" cap="none" spc="0" normalizeH="0" baseline="0">
             <a:ln>
               <a:noFill/>
             </a:ln>
@@ -8787,7 +8938,7 @@
           <a:buFontTx/>
           <a:buNone/>
           <a:tabLst/>
-          <a:defRPr b="0" baseline="0" cap="none" i="0" spc="0" strike="noStrike" sz="1800" u="none" kumimoji="0" normalizeH="0">
+          <a:defRPr kumimoji="0" sz="1800" b="0" i="0" u="none" strike="noStrike" cap="none" spc="0" normalizeH="0" baseline="0">
             <a:ln>
               <a:noFill/>
             </a:ln>
@@ -8800,12 +8951,19 @@
         </a:lvl9pPr>
       </a:lstStyle>
       <a:style>
-        <a:lnRef idx="0"/>
-        <a:fillRef idx="0"/>
-        <a:effectRef idx="0"/>
+        <a:lnRef idx="0">
+          <a:scrgbClr r="0" g="0" b="0"/>
+        </a:lnRef>
+        <a:fillRef idx="0">
+          <a:scrgbClr r="0" g="0" b="0"/>
+        </a:fillRef>
+        <a:effectRef idx="0">
+          <a:scrgbClr r="0" g="0" b="0"/>
+        </a:effectRef>
         <a:fontRef idx="none"/>
       </a:style>
     </a:txDef>
   </a:objectDefaults>
+  <a:extraClrSchemeLst/>
 </a:theme>
 </file>